--- a/Email Order Processing Automation-Self_made.pptx
+++ b/Email Order Processing Automation-Self_made.pptx
@@ -4,6 +4,9 @@
   <p:sldMasterIdLst>
     <p:sldMasterId id="2147483684" r:id="rId1"/>
   </p:sldMasterIdLst>
+  <p:notesMasterIdLst>
+    <p:notesMasterId r:id="rId12"/>
+  </p:notesMasterIdLst>
   <p:sldIdLst>
     <p:sldId id="256" r:id="rId2"/>
     <p:sldId id="257" r:id="rId3"/>
@@ -113,7 +116,1938 @@
       </a:defRPr>
     </a:lvl9pPr>
   </p:defaultTextStyle>
+  <p:extLst>
+    <p:ext uri="{EFAFB233-063F-42B5-8137-9DF3F51BA10A}">
+      <p15:sldGuideLst xmlns:p15="http://schemas.microsoft.com/office/powerpoint/2012/main"/>
+    </p:ext>
+  </p:extLst>
 </p:presentation>
+</file>
+
+<file path=ppt/notesMasters/notesMaster1.xml><?xml version="1.0" encoding="utf-8"?>
+<p:notesMaster xmlns:a="http://schemas.openxmlformats.org/drawingml/2006/main" xmlns:r="http://schemas.openxmlformats.org/officeDocument/2006/relationships" xmlns:p="http://schemas.openxmlformats.org/presentationml/2006/main">
+  <p:cSld>
+    <p:bg>
+      <p:bgRef idx="1001">
+        <a:schemeClr val="bg1"/>
+      </p:bgRef>
+    </p:bg>
+    <p:spTree>
+      <p:nvGrpSpPr>
+        <p:cNvPr id="1" name=""/>
+        <p:cNvGrpSpPr/>
+        <p:nvPr/>
+      </p:nvGrpSpPr>
+      <p:grpSpPr>
+        <a:xfrm>
+          <a:off x="0" y="0"/>
+          <a:ext cx="0" cy="0"/>
+          <a:chOff x="0" y="0"/>
+          <a:chExt cx="0" cy="0"/>
+        </a:xfrm>
+      </p:grpSpPr>
+      <p:sp>
+        <p:nvSpPr>
+          <p:cNvPr id="2" name="Header Placeholder 1"/>
+          <p:cNvSpPr>
+            <a:spLocks noGrp="1"/>
+          </p:cNvSpPr>
+          <p:nvPr>
+            <p:ph type="hdr" sz="quarter"/>
+          </p:nvPr>
+        </p:nvSpPr>
+        <p:spPr>
+          <a:xfrm>
+            <a:off x="0" y="0"/>
+            <a:ext cx="2971800" cy="458788"/>
+          </a:xfrm>
+          <a:prstGeom prst="rect">
+            <a:avLst/>
+          </a:prstGeom>
+        </p:spPr>
+        <p:txBody>
+          <a:bodyPr vert="horz" lIns="91440" tIns="45720" rIns="91440" bIns="45720" rtlCol="0"/>
+          <a:lstStyle>
+            <a:lvl1pPr algn="l">
+              <a:defRPr sz="1200"/>
+            </a:lvl1pPr>
+          </a:lstStyle>
+          <a:p>
+            <a:endParaRPr lang="en-US"/>
+          </a:p>
+        </p:txBody>
+      </p:sp>
+      <p:sp>
+        <p:nvSpPr>
+          <p:cNvPr id="3" name="Date Placeholder 2"/>
+          <p:cNvSpPr>
+            <a:spLocks noGrp="1"/>
+          </p:cNvSpPr>
+          <p:nvPr>
+            <p:ph type="dt" idx="1"/>
+          </p:nvPr>
+        </p:nvSpPr>
+        <p:spPr>
+          <a:xfrm>
+            <a:off x="3884613" y="0"/>
+            <a:ext cx="2971800" cy="458788"/>
+          </a:xfrm>
+          <a:prstGeom prst="rect">
+            <a:avLst/>
+          </a:prstGeom>
+        </p:spPr>
+        <p:txBody>
+          <a:bodyPr vert="horz" lIns="91440" tIns="45720" rIns="91440" bIns="45720" rtlCol="0"/>
+          <a:lstStyle>
+            <a:lvl1pPr algn="r">
+              <a:defRPr sz="1200"/>
+            </a:lvl1pPr>
+          </a:lstStyle>
+          <a:p>
+            <a:fld id="{0FBDC116-9118-41B1-986F-C113A6590041}" type="datetimeFigureOut">
+              <a:rPr lang="en-US" smtClean="0"/>
+              <a:t>1/6/2026</a:t>
+            </a:fld>
+            <a:endParaRPr lang="en-US"/>
+          </a:p>
+        </p:txBody>
+      </p:sp>
+      <p:sp>
+        <p:nvSpPr>
+          <p:cNvPr id="4" name="Slide Image Placeholder 3"/>
+          <p:cNvSpPr>
+            <a:spLocks noGrp="1" noRot="1" noChangeAspect="1"/>
+          </p:cNvSpPr>
+          <p:nvPr>
+            <p:ph type="sldImg" idx="2"/>
+          </p:nvPr>
+        </p:nvSpPr>
+        <p:spPr>
+          <a:xfrm>
+            <a:off x="685800" y="1143000"/>
+            <a:ext cx="5486400" cy="3086100"/>
+          </a:xfrm>
+          <a:prstGeom prst="rect">
+            <a:avLst/>
+          </a:prstGeom>
+          <a:noFill/>
+          <a:ln w="12700">
+            <a:solidFill>
+              <a:prstClr val="black"/>
+            </a:solidFill>
+          </a:ln>
+        </p:spPr>
+        <p:txBody>
+          <a:bodyPr vert="horz" lIns="91440" tIns="45720" rIns="91440" bIns="45720" rtlCol="0" anchor="ctr"/>
+          <a:lstStyle/>
+          <a:p>
+            <a:endParaRPr lang="en-US"/>
+          </a:p>
+        </p:txBody>
+      </p:sp>
+      <p:sp>
+        <p:nvSpPr>
+          <p:cNvPr id="5" name="Notes Placeholder 4"/>
+          <p:cNvSpPr>
+            <a:spLocks noGrp="1"/>
+          </p:cNvSpPr>
+          <p:nvPr>
+            <p:ph type="body" sz="quarter" idx="3"/>
+          </p:nvPr>
+        </p:nvSpPr>
+        <p:spPr>
+          <a:xfrm>
+            <a:off x="685800" y="4400550"/>
+            <a:ext cx="5486400" cy="3600450"/>
+          </a:xfrm>
+          <a:prstGeom prst="rect">
+            <a:avLst/>
+          </a:prstGeom>
+        </p:spPr>
+        <p:txBody>
+          <a:bodyPr vert="horz" lIns="91440" tIns="45720" rIns="91440" bIns="45720" rtlCol="0"/>
+          <a:lstStyle/>
+          <a:p>
+            <a:pPr lvl="0"/>
+            <a:r>
+              <a:rPr lang="en-US"/>
+              <a:t>Click to edit Master text styles</a:t>
+            </a:r>
+          </a:p>
+          <a:p>
+            <a:pPr lvl="1"/>
+            <a:r>
+              <a:rPr lang="en-US"/>
+              <a:t>Second level</a:t>
+            </a:r>
+          </a:p>
+          <a:p>
+            <a:pPr lvl="2"/>
+            <a:r>
+              <a:rPr lang="en-US"/>
+              <a:t>Third level</a:t>
+            </a:r>
+          </a:p>
+          <a:p>
+            <a:pPr lvl="3"/>
+            <a:r>
+              <a:rPr lang="en-US"/>
+              <a:t>Fourth level</a:t>
+            </a:r>
+          </a:p>
+          <a:p>
+            <a:pPr lvl="4"/>
+            <a:r>
+              <a:rPr lang="en-US"/>
+              <a:t>Fifth level</a:t>
+            </a:r>
+          </a:p>
+        </p:txBody>
+      </p:sp>
+      <p:sp>
+        <p:nvSpPr>
+          <p:cNvPr id="6" name="Footer Placeholder 5"/>
+          <p:cNvSpPr>
+            <a:spLocks noGrp="1"/>
+          </p:cNvSpPr>
+          <p:nvPr>
+            <p:ph type="ftr" sz="quarter" idx="4"/>
+          </p:nvPr>
+        </p:nvSpPr>
+        <p:spPr>
+          <a:xfrm>
+            <a:off x="0" y="8685213"/>
+            <a:ext cx="2971800" cy="458787"/>
+          </a:xfrm>
+          <a:prstGeom prst="rect">
+            <a:avLst/>
+          </a:prstGeom>
+        </p:spPr>
+        <p:txBody>
+          <a:bodyPr vert="horz" lIns="91440" tIns="45720" rIns="91440" bIns="45720" rtlCol="0" anchor="b"/>
+          <a:lstStyle>
+            <a:lvl1pPr algn="l">
+              <a:defRPr sz="1200"/>
+            </a:lvl1pPr>
+          </a:lstStyle>
+          <a:p>
+            <a:endParaRPr lang="en-US"/>
+          </a:p>
+        </p:txBody>
+      </p:sp>
+      <p:sp>
+        <p:nvSpPr>
+          <p:cNvPr id="7" name="Slide Number Placeholder 6"/>
+          <p:cNvSpPr>
+            <a:spLocks noGrp="1"/>
+          </p:cNvSpPr>
+          <p:nvPr>
+            <p:ph type="sldNum" sz="quarter" idx="5"/>
+          </p:nvPr>
+        </p:nvSpPr>
+        <p:spPr>
+          <a:xfrm>
+            <a:off x="3884613" y="8685213"/>
+            <a:ext cx="2971800" cy="458787"/>
+          </a:xfrm>
+          <a:prstGeom prst="rect">
+            <a:avLst/>
+          </a:prstGeom>
+        </p:spPr>
+        <p:txBody>
+          <a:bodyPr vert="horz" lIns="91440" tIns="45720" rIns="91440" bIns="45720" rtlCol="0" anchor="b"/>
+          <a:lstStyle>
+            <a:lvl1pPr algn="r">
+              <a:defRPr sz="1200"/>
+            </a:lvl1pPr>
+          </a:lstStyle>
+          <a:p>
+            <a:fld id="{FDFE3F59-B45A-4BD5-B359-612AFB1795BB}" type="slidenum">
+              <a:rPr lang="en-US" smtClean="0"/>
+              <a:t>‹#›</a:t>
+            </a:fld>
+            <a:endParaRPr lang="en-US"/>
+          </a:p>
+        </p:txBody>
+      </p:sp>
+    </p:spTree>
+    <p:extLst>
+      <p:ext uri="{BB962C8B-B14F-4D97-AF65-F5344CB8AC3E}">
+        <p14:creationId xmlns:p14="http://schemas.microsoft.com/office/powerpoint/2010/main" val="1728198602"/>
+      </p:ext>
+    </p:extLst>
+  </p:cSld>
+  <p:clrMap bg1="lt1" tx1="dk1" bg2="lt2" tx2="dk2" accent1="accent1" accent2="accent2" accent3="accent3" accent4="accent4" accent5="accent5" accent6="accent6" hlink="hlink" folHlink="folHlink"/>
+  <p:notesStyle>
+    <a:lvl1pPr marL="0" algn="l" defTabSz="914400" rtl="0" eaLnBrk="1" latinLnBrk="0" hangingPunct="1">
+      <a:defRPr sz="1200" kern="1200">
+        <a:solidFill>
+          <a:schemeClr val="tx1"/>
+        </a:solidFill>
+        <a:latin typeface="+mn-lt"/>
+        <a:ea typeface="+mn-ea"/>
+        <a:cs typeface="+mn-cs"/>
+      </a:defRPr>
+    </a:lvl1pPr>
+    <a:lvl2pPr marL="457200" algn="l" defTabSz="914400" rtl="0" eaLnBrk="1" latinLnBrk="0" hangingPunct="1">
+      <a:defRPr sz="1200" kern="1200">
+        <a:solidFill>
+          <a:schemeClr val="tx1"/>
+        </a:solidFill>
+        <a:latin typeface="+mn-lt"/>
+        <a:ea typeface="+mn-ea"/>
+        <a:cs typeface="+mn-cs"/>
+      </a:defRPr>
+    </a:lvl2pPr>
+    <a:lvl3pPr marL="914400" algn="l" defTabSz="914400" rtl="0" eaLnBrk="1" latinLnBrk="0" hangingPunct="1">
+      <a:defRPr sz="1200" kern="1200">
+        <a:solidFill>
+          <a:schemeClr val="tx1"/>
+        </a:solidFill>
+        <a:latin typeface="+mn-lt"/>
+        <a:ea typeface="+mn-ea"/>
+        <a:cs typeface="+mn-cs"/>
+      </a:defRPr>
+    </a:lvl3pPr>
+    <a:lvl4pPr marL="1371600" algn="l" defTabSz="914400" rtl="0" eaLnBrk="1" latinLnBrk="0" hangingPunct="1">
+      <a:defRPr sz="1200" kern="1200">
+        <a:solidFill>
+          <a:schemeClr val="tx1"/>
+        </a:solidFill>
+        <a:latin typeface="+mn-lt"/>
+        <a:ea typeface="+mn-ea"/>
+        <a:cs typeface="+mn-cs"/>
+      </a:defRPr>
+    </a:lvl4pPr>
+    <a:lvl5pPr marL="1828800" algn="l" defTabSz="914400" rtl="0" eaLnBrk="1" latinLnBrk="0" hangingPunct="1">
+      <a:defRPr sz="1200" kern="1200">
+        <a:solidFill>
+          <a:schemeClr val="tx1"/>
+        </a:solidFill>
+        <a:latin typeface="+mn-lt"/>
+        <a:ea typeface="+mn-ea"/>
+        <a:cs typeface="+mn-cs"/>
+      </a:defRPr>
+    </a:lvl5pPr>
+    <a:lvl6pPr marL="2286000" algn="l" defTabSz="914400" rtl="0" eaLnBrk="1" latinLnBrk="0" hangingPunct="1">
+      <a:defRPr sz="1200" kern="1200">
+        <a:solidFill>
+          <a:schemeClr val="tx1"/>
+        </a:solidFill>
+        <a:latin typeface="+mn-lt"/>
+        <a:ea typeface="+mn-ea"/>
+        <a:cs typeface="+mn-cs"/>
+      </a:defRPr>
+    </a:lvl6pPr>
+    <a:lvl7pPr marL="2743200" algn="l" defTabSz="914400" rtl="0" eaLnBrk="1" latinLnBrk="0" hangingPunct="1">
+      <a:defRPr sz="1200" kern="1200">
+        <a:solidFill>
+          <a:schemeClr val="tx1"/>
+        </a:solidFill>
+        <a:latin typeface="+mn-lt"/>
+        <a:ea typeface="+mn-ea"/>
+        <a:cs typeface="+mn-cs"/>
+      </a:defRPr>
+    </a:lvl7pPr>
+    <a:lvl8pPr marL="3200400" algn="l" defTabSz="914400" rtl="0" eaLnBrk="1" latinLnBrk="0" hangingPunct="1">
+      <a:defRPr sz="1200" kern="1200">
+        <a:solidFill>
+          <a:schemeClr val="tx1"/>
+        </a:solidFill>
+        <a:latin typeface="+mn-lt"/>
+        <a:ea typeface="+mn-ea"/>
+        <a:cs typeface="+mn-cs"/>
+      </a:defRPr>
+    </a:lvl8pPr>
+    <a:lvl9pPr marL="3657600" algn="l" defTabSz="914400" rtl="0" eaLnBrk="1" latinLnBrk="0" hangingPunct="1">
+      <a:defRPr sz="1200" kern="1200">
+        <a:solidFill>
+          <a:schemeClr val="tx1"/>
+        </a:solidFill>
+        <a:latin typeface="+mn-lt"/>
+        <a:ea typeface="+mn-ea"/>
+        <a:cs typeface="+mn-cs"/>
+      </a:defRPr>
+    </a:lvl9pPr>
+  </p:notesStyle>
+</p:notesMaster>
+</file>
+
+<file path=ppt/notesSlides/notesSlide1.xml><?xml version="1.0" encoding="utf-8"?>
+<p:notes xmlns:a="http://schemas.openxmlformats.org/drawingml/2006/main" xmlns:r="http://schemas.openxmlformats.org/officeDocument/2006/relationships" xmlns:p="http://schemas.openxmlformats.org/presentationml/2006/main">
+  <p:cSld>
+    <p:spTree>
+      <p:nvGrpSpPr>
+        <p:cNvPr id="1" name=""/>
+        <p:cNvGrpSpPr/>
+        <p:nvPr/>
+      </p:nvGrpSpPr>
+      <p:grpSpPr>
+        <a:xfrm>
+          <a:off x="0" y="0"/>
+          <a:ext cx="0" cy="0"/>
+          <a:chOff x="0" y="0"/>
+          <a:chExt cx="0" cy="0"/>
+        </a:xfrm>
+      </p:grpSpPr>
+      <p:sp>
+        <p:nvSpPr>
+          <p:cNvPr id="2" name="Slide Image Placeholder 1"/>
+          <p:cNvSpPr>
+            <a:spLocks noGrp="1" noRot="1" noChangeAspect="1"/>
+          </p:cNvSpPr>
+          <p:nvPr>
+            <p:ph type="sldImg"/>
+          </p:nvPr>
+        </p:nvSpPr>
+        <p:spPr/>
+      </p:sp>
+      <p:sp>
+        <p:nvSpPr>
+          <p:cNvPr id="3" name="Notes Placeholder 2"/>
+          <p:cNvSpPr>
+            <a:spLocks noGrp="1"/>
+          </p:cNvSpPr>
+          <p:nvPr>
+            <p:ph type="body" idx="1"/>
+          </p:nvPr>
+        </p:nvSpPr>
+        <p:spPr/>
+        <p:txBody>
+          <a:bodyPr/>
+          <a:lstStyle/>
+          <a:p>
+            <a:pPr marL="171450" indent="-171450">
+              <a:buFont typeface="Arial" panose="020B0604020202020204" pitchFamily="34" charset="0"/>
+              <a:buChar char="•"/>
+            </a:pPr>
+            <a:r>
+              <a:rPr lang="en-US" sz="1200" b="0" i="0" kern="1200" dirty="0">
+                <a:solidFill>
+                  <a:schemeClr val="tx1"/>
+                </a:solidFill>
+                <a:effectLst/>
+                <a:latin typeface="+mn-lt"/>
+                <a:ea typeface="+mn-ea"/>
+                <a:cs typeface="+mn-cs"/>
+              </a:rPr>
+              <a:t>Welcome the audience and introduce the project title as Email Order Processing Automation.</a:t>
+            </a:r>
+          </a:p>
+          <a:p>
+            <a:pPr marL="171450" indent="-171450">
+              <a:buFont typeface="Arial" panose="020B0604020202020204" pitchFamily="34" charset="0"/>
+              <a:buChar char="•"/>
+            </a:pPr>
+            <a:r>
+              <a:rPr lang="en-US" sz="1200" b="0" i="0" kern="1200" dirty="0">
+                <a:solidFill>
+                  <a:schemeClr val="tx1"/>
+                </a:solidFill>
+                <a:effectLst/>
+                <a:latin typeface="+mn-lt"/>
+                <a:ea typeface="+mn-ea"/>
+                <a:cs typeface="+mn-cs"/>
+              </a:rPr>
+              <a:t>Explain that the goal is to transform manual, repetitive tasks into a streamlined digital workflow.</a:t>
+            </a:r>
+          </a:p>
+          <a:p>
+            <a:pPr marL="171450" indent="-171450">
+              <a:buFont typeface="Arial" panose="020B0604020202020204" pitchFamily="34" charset="0"/>
+              <a:buChar char="•"/>
+            </a:pPr>
+            <a:r>
+              <a:rPr lang="en-US" sz="1200" b="0" i="0" kern="1200" dirty="0">
+                <a:solidFill>
+                  <a:schemeClr val="tx1"/>
+                </a:solidFill>
+                <a:effectLst/>
+                <a:latin typeface="+mn-lt"/>
+                <a:ea typeface="+mn-ea"/>
+                <a:cs typeface="+mn-cs"/>
+              </a:rPr>
+              <a:t>State that the solution is built entirely on a local stack using UiPath, Outlook, and Microsoft Excel.</a:t>
+            </a:r>
+          </a:p>
+          <a:p>
+            <a:pPr marL="171450" indent="-171450">
+              <a:buFont typeface="Arial" panose="020B0604020202020204" pitchFamily="34" charset="0"/>
+              <a:buChar char="•"/>
+            </a:pPr>
+            <a:r>
+              <a:rPr lang="en-US" sz="1200" b="0" i="0" kern="1200" dirty="0">
+                <a:solidFill>
+                  <a:schemeClr val="tx1"/>
+                </a:solidFill>
+                <a:effectLst/>
+                <a:latin typeface="+mn-lt"/>
+                <a:ea typeface="+mn-ea"/>
+                <a:cs typeface="+mn-cs"/>
+              </a:rPr>
+              <a:t>Introduce the team members Mohamad Mario, Abdelrahman, Azzam, and Essam who contributed to the project.</a:t>
+            </a:r>
+          </a:p>
+        </p:txBody>
+      </p:sp>
+      <p:sp>
+        <p:nvSpPr>
+          <p:cNvPr id="4" name="Slide Number Placeholder 3"/>
+          <p:cNvSpPr>
+            <a:spLocks noGrp="1"/>
+          </p:cNvSpPr>
+          <p:nvPr>
+            <p:ph type="sldNum" sz="quarter" idx="5"/>
+          </p:nvPr>
+        </p:nvSpPr>
+        <p:spPr/>
+        <p:txBody>
+          <a:bodyPr/>
+          <a:lstStyle/>
+          <a:p>
+            <a:fld id="{FDFE3F59-B45A-4BD5-B359-612AFB1795BB}" type="slidenum">
+              <a:rPr lang="en-US" smtClean="0"/>
+              <a:t>1</a:t>
+            </a:fld>
+            <a:endParaRPr lang="en-US"/>
+          </a:p>
+        </p:txBody>
+      </p:sp>
+    </p:spTree>
+    <p:extLst>
+      <p:ext uri="{BB962C8B-B14F-4D97-AF65-F5344CB8AC3E}">
+        <p14:creationId xmlns:p14="http://schemas.microsoft.com/office/powerpoint/2010/main" val="1028754349"/>
+      </p:ext>
+    </p:extLst>
+  </p:cSld>
+  <p:clrMapOvr>
+    <a:masterClrMapping/>
+  </p:clrMapOvr>
+</p:notes>
+</file>
+
+<file path=ppt/notesSlides/notesSlide10.xml><?xml version="1.0" encoding="utf-8"?>
+<p:notes xmlns:a="http://schemas.openxmlformats.org/drawingml/2006/main" xmlns:r="http://schemas.openxmlformats.org/officeDocument/2006/relationships" xmlns:p="http://schemas.openxmlformats.org/presentationml/2006/main">
+  <p:cSld>
+    <p:spTree>
+      <p:nvGrpSpPr>
+        <p:cNvPr id="1" name=""/>
+        <p:cNvGrpSpPr/>
+        <p:nvPr/>
+      </p:nvGrpSpPr>
+      <p:grpSpPr>
+        <a:xfrm>
+          <a:off x="0" y="0"/>
+          <a:ext cx="0" cy="0"/>
+          <a:chOff x="0" y="0"/>
+          <a:chExt cx="0" cy="0"/>
+        </a:xfrm>
+      </p:grpSpPr>
+      <p:sp>
+        <p:nvSpPr>
+          <p:cNvPr id="2" name="Slide Image Placeholder 1"/>
+          <p:cNvSpPr>
+            <a:spLocks noGrp="1" noRot="1" noChangeAspect="1"/>
+          </p:cNvSpPr>
+          <p:nvPr>
+            <p:ph type="sldImg"/>
+          </p:nvPr>
+        </p:nvSpPr>
+        <p:spPr/>
+      </p:sp>
+      <p:sp>
+        <p:nvSpPr>
+          <p:cNvPr id="3" name="Notes Placeholder 2"/>
+          <p:cNvSpPr>
+            <a:spLocks noGrp="1"/>
+          </p:cNvSpPr>
+          <p:nvPr>
+            <p:ph type="body" idx="1"/>
+          </p:nvPr>
+        </p:nvSpPr>
+        <p:spPr/>
+        <p:txBody>
+          <a:bodyPr/>
+          <a:lstStyle/>
+          <a:p>
+            <a:pPr marL="171450" indent="-171450">
+              <a:buFont typeface="Arial" panose="020B0604020202020204" pitchFamily="34" charset="0"/>
+              <a:buChar char="•"/>
+            </a:pPr>
+            <a:r>
+              <a:rPr lang="en-US" dirty="0"/>
+              <a:t>“To wrap up, the core benefits are simple: we improve </a:t>
+            </a:r>
+            <a:r>
+              <a:rPr lang="en-US" b="1" dirty="0"/>
+              <a:t>efficiency</a:t>
+            </a:r>
+            <a:r>
+              <a:rPr lang="en-US" dirty="0"/>
+              <a:t>, reduce </a:t>
+            </a:r>
+            <a:r>
+              <a:rPr lang="en-US" b="1" dirty="0"/>
+              <a:t>errors</a:t>
+            </a:r>
+            <a:r>
+              <a:rPr lang="en-US" dirty="0"/>
+              <a:t>, and increase </a:t>
+            </a:r>
+            <a:r>
+              <a:rPr lang="en-US" b="1" dirty="0"/>
+              <a:t>reliability</a:t>
+            </a:r>
+            <a:r>
+              <a:rPr lang="en-US" dirty="0"/>
+              <a:t> through automation.”</a:t>
+            </a:r>
+          </a:p>
+          <a:p>
+            <a:pPr marL="171450" indent="-171450">
+              <a:buFont typeface="Arial" panose="020B0604020202020204" pitchFamily="34" charset="0"/>
+              <a:buChar char="•"/>
+            </a:pPr>
+            <a:r>
+              <a:rPr lang="en-US" dirty="0"/>
+              <a:t>“This is professional-grade RPA that runs locally — on a standard desktop — so we get strong performance and control with zero cloud dependency.”</a:t>
+            </a:r>
+          </a:p>
+          <a:p>
+            <a:pPr marL="171450" indent="-171450">
+              <a:buFont typeface="Arial" panose="020B0604020202020204" pitchFamily="34" charset="0"/>
+              <a:buChar char="•"/>
+            </a:pPr>
+            <a:r>
+              <a:rPr lang="en-US" dirty="0"/>
+              <a:t>“Thank you for your time — I’ll stop here and open it up for questions.”</a:t>
+            </a:r>
+          </a:p>
+          <a:p>
+            <a:pPr marL="171450" indent="-171450">
+              <a:buFont typeface="Arial" panose="020B0604020202020204" pitchFamily="34" charset="0"/>
+              <a:buChar char="•"/>
+            </a:pPr>
+            <a:r>
+              <a:rPr lang="en-US" dirty="0"/>
+              <a:t>“And if it helps, I’m happy to go deeper on the technical implementation, the business logic, or why we chose a local-first approach.”</a:t>
+            </a:r>
+          </a:p>
+        </p:txBody>
+      </p:sp>
+      <p:sp>
+        <p:nvSpPr>
+          <p:cNvPr id="4" name="Slide Number Placeholder 3"/>
+          <p:cNvSpPr>
+            <a:spLocks noGrp="1"/>
+          </p:cNvSpPr>
+          <p:nvPr>
+            <p:ph type="sldNum" sz="quarter" idx="5"/>
+          </p:nvPr>
+        </p:nvSpPr>
+        <p:spPr/>
+        <p:txBody>
+          <a:bodyPr/>
+          <a:lstStyle/>
+          <a:p>
+            <a:fld id="{FDFE3F59-B45A-4BD5-B359-612AFB1795BB}" type="slidenum">
+              <a:rPr lang="en-US" smtClean="0"/>
+              <a:t>10</a:t>
+            </a:fld>
+            <a:endParaRPr lang="en-US"/>
+          </a:p>
+        </p:txBody>
+      </p:sp>
+    </p:spTree>
+    <p:extLst>
+      <p:ext uri="{BB962C8B-B14F-4D97-AF65-F5344CB8AC3E}">
+        <p14:creationId xmlns:p14="http://schemas.microsoft.com/office/powerpoint/2010/main" val="2824429906"/>
+      </p:ext>
+    </p:extLst>
+  </p:cSld>
+  <p:clrMapOvr>
+    <a:masterClrMapping/>
+  </p:clrMapOvr>
+</p:notes>
+</file>
+
+<file path=ppt/notesSlides/notesSlide2.xml><?xml version="1.0" encoding="utf-8"?>
+<p:notes xmlns:a="http://schemas.openxmlformats.org/drawingml/2006/main" xmlns:r="http://schemas.openxmlformats.org/officeDocument/2006/relationships" xmlns:p="http://schemas.openxmlformats.org/presentationml/2006/main">
+  <p:cSld>
+    <p:spTree>
+      <p:nvGrpSpPr>
+        <p:cNvPr id="1" name=""/>
+        <p:cNvGrpSpPr/>
+        <p:nvPr/>
+      </p:nvGrpSpPr>
+      <p:grpSpPr>
+        <a:xfrm>
+          <a:off x="0" y="0"/>
+          <a:ext cx="0" cy="0"/>
+          <a:chOff x="0" y="0"/>
+          <a:chExt cx="0" cy="0"/>
+        </a:xfrm>
+      </p:grpSpPr>
+      <p:sp>
+        <p:nvSpPr>
+          <p:cNvPr id="2" name="Slide Image Placeholder 1"/>
+          <p:cNvSpPr>
+            <a:spLocks noGrp="1" noRot="1" noChangeAspect="1"/>
+          </p:cNvSpPr>
+          <p:nvPr>
+            <p:ph type="sldImg"/>
+          </p:nvPr>
+        </p:nvSpPr>
+        <p:spPr/>
+      </p:sp>
+      <p:sp>
+        <p:nvSpPr>
+          <p:cNvPr id="3" name="Notes Placeholder 2"/>
+          <p:cNvSpPr>
+            <a:spLocks noGrp="1"/>
+          </p:cNvSpPr>
+          <p:nvPr>
+            <p:ph type="body" idx="1"/>
+          </p:nvPr>
+        </p:nvSpPr>
+        <p:spPr/>
+        <p:txBody>
+          <a:bodyPr/>
+          <a:lstStyle/>
+          <a:p>
+            <a:pPr marL="171450" indent="-171450">
+              <a:buFont typeface="Arial" panose="020B0604020202020204" pitchFamily="34" charset="0"/>
+              <a:buChar char="•"/>
+            </a:pPr>
+            <a:r>
+              <a:rPr lang="en-US"/>
+              <a:t>“Today, manual order processing is a major bottleneck for the business.”</a:t>
+            </a:r>
+          </a:p>
+          <a:p>
+            <a:pPr marL="171450" indent="-171450">
+              <a:buFont typeface="Arial" panose="020B0604020202020204" pitchFamily="34" charset="0"/>
+              <a:buChar char="•"/>
+            </a:pPr>
+            <a:r>
+              <a:rPr lang="en-US"/>
+              <a:t>“We spend too much time opening emails and manually extracting order data.”</a:t>
+            </a:r>
+          </a:p>
+          <a:p>
+            <a:pPr marL="171450" indent="-171450">
+              <a:buFont typeface="Arial" panose="020B0604020202020204" pitchFamily="34" charset="0"/>
+              <a:buChar char="•"/>
+            </a:pPr>
+            <a:r>
+              <a:rPr lang="en-US"/>
+              <a:t>“Copying into Excel creates errors — typos, missed lines, wrong quantities.”</a:t>
+            </a:r>
+          </a:p>
+          <a:p>
+            <a:pPr marL="171450" indent="-171450">
+              <a:buFont typeface="Arial" panose="020B0604020202020204" pitchFamily="34" charset="0"/>
+              <a:buChar char="•"/>
+            </a:pPr>
+            <a:r>
+              <a:rPr lang="en-US"/>
+              <a:t>“There’s little traceability, so tracking order history is difficult and slow.”</a:t>
+            </a:r>
+          </a:p>
+          <a:p>
+            <a:pPr marL="171450" indent="-171450">
+              <a:buFont typeface="Arial" panose="020B0604020202020204" pitchFamily="34" charset="0"/>
+              <a:buChar char="•"/>
+            </a:pPr>
+            <a:r>
+              <a:rPr lang="en-US"/>
+              <a:t>“And in a busy inbox, high-priority orders get buried and responses get delayed.”</a:t>
+            </a:r>
+          </a:p>
+          <a:p>
+            <a:pPr marL="171450" indent="-171450">
+              <a:buFont typeface="Arial" panose="020B0604020202020204" pitchFamily="34" charset="0"/>
+              <a:buChar char="•"/>
+            </a:pPr>
+            <a:r>
+              <a:rPr lang="en-US"/>
+              <a:t>“So the impact is speed, accuracy, visibility, and customer responsiveness.”</a:t>
+            </a:r>
+          </a:p>
+        </p:txBody>
+      </p:sp>
+      <p:sp>
+        <p:nvSpPr>
+          <p:cNvPr id="4" name="Slide Number Placeholder 3"/>
+          <p:cNvSpPr>
+            <a:spLocks noGrp="1"/>
+          </p:cNvSpPr>
+          <p:nvPr>
+            <p:ph type="sldNum" sz="quarter" idx="5"/>
+          </p:nvPr>
+        </p:nvSpPr>
+        <p:spPr/>
+        <p:txBody>
+          <a:bodyPr/>
+          <a:lstStyle/>
+          <a:p>
+            <a:fld id="{FDFE3F59-B45A-4BD5-B359-612AFB1795BB}" type="slidenum">
+              <a:rPr lang="en-US" smtClean="0"/>
+              <a:t>2</a:t>
+            </a:fld>
+            <a:endParaRPr lang="en-US"/>
+          </a:p>
+        </p:txBody>
+      </p:sp>
+    </p:spTree>
+    <p:extLst>
+      <p:ext uri="{BB962C8B-B14F-4D97-AF65-F5344CB8AC3E}">
+        <p14:creationId xmlns:p14="http://schemas.microsoft.com/office/powerpoint/2010/main" val="134756067"/>
+      </p:ext>
+    </p:extLst>
+  </p:cSld>
+  <p:clrMapOvr>
+    <a:masterClrMapping/>
+  </p:clrMapOvr>
+</p:notes>
+</file>
+
+<file path=ppt/notesSlides/notesSlide3.xml><?xml version="1.0" encoding="utf-8"?>
+<p:notes xmlns:a="http://schemas.openxmlformats.org/drawingml/2006/main" xmlns:r="http://schemas.openxmlformats.org/officeDocument/2006/relationships" xmlns:p="http://schemas.openxmlformats.org/presentationml/2006/main">
+  <p:cSld>
+    <p:spTree>
+      <p:nvGrpSpPr>
+        <p:cNvPr id="1" name=""/>
+        <p:cNvGrpSpPr/>
+        <p:nvPr/>
+      </p:nvGrpSpPr>
+      <p:grpSpPr>
+        <a:xfrm>
+          <a:off x="0" y="0"/>
+          <a:ext cx="0" cy="0"/>
+          <a:chOff x="0" y="0"/>
+          <a:chExt cx="0" cy="0"/>
+        </a:xfrm>
+      </p:grpSpPr>
+      <p:sp>
+        <p:nvSpPr>
+          <p:cNvPr id="2" name="Slide Image Placeholder 1"/>
+          <p:cNvSpPr>
+            <a:spLocks noGrp="1" noRot="1" noChangeAspect="1"/>
+          </p:cNvSpPr>
+          <p:nvPr>
+            <p:ph type="sldImg"/>
+          </p:nvPr>
+        </p:nvSpPr>
+        <p:spPr/>
+      </p:sp>
+      <p:sp>
+        <p:nvSpPr>
+          <p:cNvPr id="3" name="Notes Placeholder 2"/>
+          <p:cNvSpPr>
+            <a:spLocks noGrp="1"/>
+          </p:cNvSpPr>
+          <p:nvPr>
+            <p:ph type="body" idx="1"/>
+          </p:nvPr>
+        </p:nvSpPr>
+        <p:spPr/>
+        <p:txBody>
+          <a:bodyPr/>
+          <a:lstStyle/>
+          <a:p>
+            <a:pPr marL="171450" indent="-171450">
+              <a:buFont typeface="Arial" panose="020B0604020202020204" pitchFamily="34" charset="0"/>
+              <a:buChar char="•"/>
+            </a:pPr>
+            <a:r>
+              <a:rPr lang="en-US" dirty="0"/>
+              <a:t>“Now let’s look at the solution: a robust RPA framework that automates the full order lifecycle end-to-end.”</a:t>
+            </a:r>
+          </a:p>
+          <a:p>
+            <a:pPr marL="171450" indent="-171450">
+              <a:buFont typeface="Arial" panose="020B0604020202020204" pitchFamily="34" charset="0"/>
+              <a:buChar char="•"/>
+            </a:pPr>
+            <a:r>
+              <a:rPr lang="en-US" dirty="0"/>
+              <a:t>“The bot continuously monitors the inbox and instantly detects new orders by scanning for specific keywords.”</a:t>
+            </a:r>
+          </a:p>
+          <a:p>
+            <a:pPr marL="171450" indent="-171450">
+              <a:buFont typeface="Arial" panose="020B0604020202020204" pitchFamily="34" charset="0"/>
+              <a:buChar char="•"/>
+            </a:pPr>
+            <a:r>
+              <a:rPr lang="en-US" dirty="0"/>
+              <a:t>“It then extracts the order details flexibly — whether the content is labeled text, a CSV attachment, or a pipe-delimited format.”</a:t>
+            </a:r>
+          </a:p>
+          <a:p>
+            <a:pPr marL="171450" indent="-171450">
+              <a:buFont typeface="Arial" panose="020B0604020202020204" pitchFamily="34" charset="0"/>
+              <a:buChar char="•"/>
+            </a:pPr>
+            <a:r>
+              <a:rPr lang="en-US" dirty="0"/>
+              <a:t>“As soon as the data is captured, it updates the local restock spreadsheet immediately, so inventory stays current.”</a:t>
+            </a:r>
+          </a:p>
+          <a:p>
+            <a:pPr marL="171450" indent="-171450">
+              <a:buFont typeface="Arial" panose="020B0604020202020204" pitchFamily="34" charset="0"/>
+              <a:buChar char="•"/>
+            </a:pPr>
+            <a:r>
+              <a:rPr lang="en-US" dirty="0"/>
+              <a:t>“And finally, it automatically sends a confirmation email, so customers get instant feedback that their order was received and processed.”</a:t>
+            </a:r>
+          </a:p>
+        </p:txBody>
+      </p:sp>
+      <p:sp>
+        <p:nvSpPr>
+          <p:cNvPr id="4" name="Slide Number Placeholder 3"/>
+          <p:cNvSpPr>
+            <a:spLocks noGrp="1"/>
+          </p:cNvSpPr>
+          <p:nvPr>
+            <p:ph type="sldNum" sz="quarter" idx="5"/>
+          </p:nvPr>
+        </p:nvSpPr>
+        <p:spPr/>
+        <p:txBody>
+          <a:bodyPr/>
+          <a:lstStyle/>
+          <a:p>
+            <a:fld id="{FDFE3F59-B45A-4BD5-B359-612AFB1795BB}" type="slidenum">
+              <a:rPr lang="en-US" smtClean="0"/>
+              <a:t>3</a:t>
+            </a:fld>
+            <a:endParaRPr lang="en-US"/>
+          </a:p>
+        </p:txBody>
+      </p:sp>
+    </p:spTree>
+    <p:extLst>
+      <p:ext uri="{BB962C8B-B14F-4D97-AF65-F5344CB8AC3E}">
+        <p14:creationId xmlns:p14="http://schemas.microsoft.com/office/powerpoint/2010/main" val="2953384285"/>
+      </p:ext>
+    </p:extLst>
+  </p:cSld>
+  <p:clrMapOvr>
+    <a:masterClrMapping/>
+  </p:clrMapOvr>
+</p:notes>
+</file>
+
+<file path=ppt/notesSlides/notesSlide4.xml><?xml version="1.0" encoding="utf-8"?>
+<p:notes xmlns:a="http://schemas.openxmlformats.org/drawingml/2006/main" xmlns:r="http://schemas.openxmlformats.org/officeDocument/2006/relationships" xmlns:p="http://schemas.openxmlformats.org/presentationml/2006/main">
+  <p:cSld>
+    <p:spTree>
+      <p:nvGrpSpPr>
+        <p:cNvPr id="1" name=""/>
+        <p:cNvGrpSpPr/>
+        <p:nvPr/>
+      </p:nvGrpSpPr>
+      <p:grpSpPr>
+        <a:xfrm>
+          <a:off x="0" y="0"/>
+          <a:ext cx="0" cy="0"/>
+          <a:chOff x="0" y="0"/>
+          <a:chExt cx="0" cy="0"/>
+        </a:xfrm>
+      </p:grpSpPr>
+      <p:sp>
+        <p:nvSpPr>
+          <p:cNvPr id="2" name="Slide Image Placeholder 1"/>
+          <p:cNvSpPr>
+            <a:spLocks noGrp="1" noRot="1" noChangeAspect="1"/>
+          </p:cNvSpPr>
+          <p:nvPr>
+            <p:ph type="sldImg"/>
+          </p:nvPr>
+        </p:nvSpPr>
+        <p:spPr/>
+      </p:sp>
+      <p:sp>
+        <p:nvSpPr>
+          <p:cNvPr id="3" name="Notes Placeholder 2"/>
+          <p:cNvSpPr>
+            <a:spLocks noGrp="1"/>
+          </p:cNvSpPr>
+          <p:nvPr>
+            <p:ph type="body" idx="1"/>
+          </p:nvPr>
+        </p:nvSpPr>
+        <p:spPr/>
+        <p:txBody>
+          <a:bodyPr/>
+          <a:lstStyle/>
+          <a:p>
+            <a:r>
+              <a:rPr lang="en-US" dirty="0"/>
+              <a:t>“This slide compares the main ways companies implement automation — and why the approach matters.”</a:t>
+            </a:r>
+          </a:p>
+          <a:p>
+            <a:r>
+              <a:rPr lang="en-US" dirty="0"/>
+              <a:t>“Our RPA solution is about </a:t>
+            </a:r>
+            <a:r>
+              <a:rPr lang="en-US" i="1" dirty="0"/>
+              <a:t>meeting the business where it is</a:t>
+            </a:r>
+            <a:r>
+              <a:rPr lang="en-US" dirty="0"/>
+              <a:t> — we automate the tools you already use, like Outlook Classic and Excel, without forcing a migration.”</a:t>
+            </a:r>
+          </a:p>
+          <a:p>
+            <a:r>
+              <a:rPr lang="en-US" dirty="0"/>
+              <a:t>“API-based tools like Zapier or Power Automate are popular, but they often struggle with local desktop versions, locked environments, or custom Excel macros.”</a:t>
+            </a:r>
+          </a:p>
+          <a:p>
+            <a:r>
+              <a:rPr lang="en-US" dirty="0"/>
+              <a:t>“Outsourced portals like Ariba or Coupa can work, but they’re expensive — and they force customers to use a separate system just to place an order.”</a:t>
+            </a:r>
+          </a:p>
+          <a:p>
+            <a:r>
+              <a:rPr lang="en-US" dirty="0"/>
+              <a:t>“Custom middleware or EDI is what large enterprises do, but it usually means a big IT budget and months of setup and maintenance.”</a:t>
+            </a:r>
+          </a:p>
+          <a:p>
+            <a:r>
+              <a:rPr lang="en-US" dirty="0"/>
+              <a:t>“The key advantage of RPA is that it can </a:t>
+            </a:r>
+            <a:r>
+              <a:rPr lang="en-US" i="1" dirty="0"/>
+              <a:t>act</a:t>
+            </a:r>
+            <a:r>
+              <a:rPr lang="en-US" dirty="0"/>
+              <a:t> across disconnected desktop apps like a human — not just detect patterns.”</a:t>
+            </a:r>
+          </a:p>
+          <a:p>
+            <a:r>
+              <a:rPr lang="en-US" dirty="0"/>
+              <a:t>“So overall, RPA gives the best balance of automation power, local security, and low cost.”</a:t>
+            </a:r>
+          </a:p>
+        </p:txBody>
+      </p:sp>
+      <p:sp>
+        <p:nvSpPr>
+          <p:cNvPr id="4" name="Slide Number Placeholder 3"/>
+          <p:cNvSpPr>
+            <a:spLocks noGrp="1"/>
+          </p:cNvSpPr>
+          <p:nvPr>
+            <p:ph type="sldNum" sz="quarter" idx="5"/>
+          </p:nvPr>
+        </p:nvSpPr>
+        <p:spPr/>
+        <p:txBody>
+          <a:bodyPr/>
+          <a:lstStyle/>
+          <a:p>
+            <a:fld id="{FDFE3F59-B45A-4BD5-B359-612AFB1795BB}" type="slidenum">
+              <a:rPr lang="en-US" smtClean="0"/>
+              <a:t>4</a:t>
+            </a:fld>
+            <a:endParaRPr lang="en-US"/>
+          </a:p>
+        </p:txBody>
+      </p:sp>
+    </p:spTree>
+    <p:extLst>
+      <p:ext uri="{BB962C8B-B14F-4D97-AF65-F5344CB8AC3E}">
+        <p14:creationId xmlns:p14="http://schemas.microsoft.com/office/powerpoint/2010/main" val="2846385356"/>
+      </p:ext>
+    </p:extLst>
+  </p:cSld>
+  <p:clrMapOvr>
+    <a:masterClrMapping/>
+  </p:clrMapOvr>
+</p:notes>
+</file>
+
+<file path=ppt/notesSlides/notesSlide5.xml><?xml version="1.0" encoding="utf-8"?>
+<p:notes xmlns:a="http://schemas.openxmlformats.org/drawingml/2006/main" xmlns:r="http://schemas.openxmlformats.org/officeDocument/2006/relationships" xmlns:p="http://schemas.openxmlformats.org/presentationml/2006/main">
+  <p:cSld>
+    <p:spTree>
+      <p:nvGrpSpPr>
+        <p:cNvPr id="1" name=""/>
+        <p:cNvGrpSpPr/>
+        <p:nvPr/>
+      </p:nvGrpSpPr>
+      <p:grpSpPr>
+        <a:xfrm>
+          <a:off x="0" y="0"/>
+          <a:ext cx="0" cy="0"/>
+          <a:chOff x="0" y="0"/>
+          <a:chExt cx="0" cy="0"/>
+        </a:xfrm>
+      </p:grpSpPr>
+      <p:sp>
+        <p:nvSpPr>
+          <p:cNvPr id="2" name="Slide Image Placeholder 1"/>
+          <p:cNvSpPr>
+            <a:spLocks noGrp="1" noRot="1" noChangeAspect="1"/>
+          </p:cNvSpPr>
+          <p:nvPr>
+            <p:ph type="sldImg"/>
+          </p:nvPr>
+        </p:nvSpPr>
+        <p:spPr/>
+      </p:sp>
+      <p:sp>
+        <p:nvSpPr>
+          <p:cNvPr id="3" name="Notes Placeholder 2"/>
+          <p:cNvSpPr>
+            <a:spLocks noGrp="1"/>
+          </p:cNvSpPr>
+          <p:nvPr>
+            <p:ph type="body" idx="1"/>
+          </p:nvPr>
+        </p:nvSpPr>
+        <p:spPr/>
+        <p:txBody>
+          <a:bodyPr/>
+          <a:lstStyle/>
+          <a:p>
+            <a:pPr marL="171450" indent="-171450">
+              <a:buFont typeface="Arial" panose="020B0604020202020204" pitchFamily="34" charset="0"/>
+              <a:buChar char="•"/>
+            </a:pPr>
+            <a:r>
+              <a:rPr lang="en-US" dirty="0"/>
+              <a:t>“Here we’re using a </a:t>
+            </a:r>
+            <a:r>
+              <a:rPr lang="en-US" b="1" dirty="0"/>
+              <a:t>local-first architecture</a:t>
+            </a:r>
+            <a:r>
+              <a:rPr lang="en-US" dirty="0"/>
+              <a:t> — we chose it for speed, reliability, and data security, because sensitive order data never needs to leave the workstation.”</a:t>
+            </a:r>
+          </a:p>
+          <a:p>
+            <a:pPr marL="171450" indent="-171450">
+              <a:buFont typeface="Arial" panose="020B0604020202020204" pitchFamily="34" charset="0"/>
+              <a:buChar char="•"/>
+            </a:pPr>
+            <a:r>
+              <a:rPr lang="en-US" dirty="0"/>
+              <a:t>“At the core is </a:t>
+            </a:r>
+            <a:r>
+              <a:rPr lang="en-US" b="1" dirty="0"/>
+              <a:t>UiPath Studio</a:t>
+            </a:r>
+            <a:r>
+              <a:rPr lang="en-US" dirty="0"/>
+              <a:t>, which we use to build modular, stable automation sequences that are easy to maintain and extend.”</a:t>
+            </a:r>
+          </a:p>
+          <a:p>
+            <a:pPr marL="171450" indent="-171450">
+              <a:buFont typeface="Arial" panose="020B0604020202020204" pitchFamily="34" charset="0"/>
+              <a:buChar char="•"/>
+            </a:pPr>
+            <a:r>
+              <a:rPr lang="en-US" dirty="0"/>
+              <a:t>“The bot integrates directly with </a:t>
+            </a:r>
+            <a:r>
+              <a:rPr lang="en-US" b="1" dirty="0"/>
+              <a:t>Outlook Classic on the desktop</a:t>
+            </a:r>
+            <a:r>
+              <a:rPr lang="en-US" dirty="0"/>
+              <a:t>, so it can monitor the inbox, read unread orders, and route emails without relying on cloud connectors.”</a:t>
+            </a:r>
+          </a:p>
+          <a:p>
+            <a:pPr marL="171450" indent="-171450">
+              <a:buFont typeface="Arial" panose="020B0604020202020204" pitchFamily="34" charset="0"/>
+              <a:buChar char="•"/>
+            </a:pPr>
+            <a:r>
+              <a:rPr lang="en-US" dirty="0"/>
+              <a:t>“For tracking, </a:t>
+            </a:r>
+            <a:r>
+              <a:rPr lang="en-US" b="1" dirty="0"/>
+              <a:t>Microsoft Excel acts as the local database</a:t>
+            </a:r>
+            <a:r>
+              <a:rPr lang="en-US" dirty="0"/>
+              <a:t> — it stores the restock sheet and also keeps audit logs so we can trace what happened for every order.”</a:t>
+            </a:r>
+          </a:p>
+          <a:p>
+            <a:pPr marL="171450" indent="-171450">
+              <a:buFont typeface="Arial" panose="020B0604020202020204" pitchFamily="34" charset="0"/>
+              <a:buChar char="•"/>
+            </a:pPr>
+            <a:r>
+              <a:rPr lang="en-US" dirty="0"/>
+              <a:t>“And the key point is: </a:t>
+            </a:r>
+            <a:r>
+              <a:rPr lang="en-US" b="1" dirty="0"/>
+              <a:t>all processing runs locally on a Windows 11 machine</a:t>
+            </a:r>
+            <a:r>
+              <a:rPr lang="en-US" dirty="0"/>
+              <a:t> — so there’s zero cloud dependency and maximum control over data.”</a:t>
+            </a:r>
+          </a:p>
+        </p:txBody>
+      </p:sp>
+      <p:sp>
+        <p:nvSpPr>
+          <p:cNvPr id="4" name="Slide Number Placeholder 3"/>
+          <p:cNvSpPr>
+            <a:spLocks noGrp="1"/>
+          </p:cNvSpPr>
+          <p:nvPr>
+            <p:ph type="sldNum" sz="quarter" idx="5"/>
+          </p:nvPr>
+        </p:nvSpPr>
+        <p:spPr/>
+        <p:txBody>
+          <a:bodyPr/>
+          <a:lstStyle/>
+          <a:p>
+            <a:fld id="{FDFE3F59-B45A-4BD5-B359-612AFB1795BB}" type="slidenum">
+              <a:rPr lang="en-US" smtClean="0"/>
+              <a:t>5</a:t>
+            </a:fld>
+            <a:endParaRPr lang="en-US"/>
+          </a:p>
+        </p:txBody>
+      </p:sp>
+    </p:spTree>
+    <p:extLst>
+      <p:ext uri="{BB962C8B-B14F-4D97-AF65-F5344CB8AC3E}">
+        <p14:creationId xmlns:p14="http://schemas.microsoft.com/office/powerpoint/2010/main" val="467391272"/>
+      </p:ext>
+    </p:extLst>
+  </p:cSld>
+  <p:clrMapOvr>
+    <a:masterClrMapping/>
+  </p:clrMapOvr>
+</p:notes>
+</file>
+
+<file path=ppt/notesSlides/notesSlide6.xml><?xml version="1.0" encoding="utf-8"?>
+<p:notes xmlns:a="http://schemas.openxmlformats.org/drawingml/2006/main" xmlns:r="http://schemas.openxmlformats.org/officeDocument/2006/relationships" xmlns:p="http://schemas.openxmlformats.org/presentationml/2006/main">
+  <p:cSld>
+    <p:spTree>
+      <p:nvGrpSpPr>
+        <p:cNvPr id="1" name=""/>
+        <p:cNvGrpSpPr/>
+        <p:nvPr/>
+      </p:nvGrpSpPr>
+      <p:grpSpPr>
+        <a:xfrm>
+          <a:off x="0" y="0"/>
+          <a:ext cx="0" cy="0"/>
+          <a:chOff x="0" y="0"/>
+          <a:chExt cx="0" cy="0"/>
+        </a:xfrm>
+      </p:grpSpPr>
+      <p:sp>
+        <p:nvSpPr>
+          <p:cNvPr id="2" name="Slide Image Placeholder 1"/>
+          <p:cNvSpPr>
+            <a:spLocks noGrp="1" noRot="1" noChangeAspect="1"/>
+          </p:cNvSpPr>
+          <p:nvPr>
+            <p:ph type="sldImg"/>
+          </p:nvPr>
+        </p:nvSpPr>
+        <p:spPr/>
+      </p:sp>
+      <p:sp>
+        <p:nvSpPr>
+          <p:cNvPr id="3" name="Notes Placeholder 2"/>
+          <p:cNvSpPr>
+            <a:spLocks noGrp="1"/>
+          </p:cNvSpPr>
+          <p:nvPr>
+            <p:ph type="body" idx="1"/>
+          </p:nvPr>
+        </p:nvSpPr>
+        <p:spPr/>
+        <p:txBody>
+          <a:bodyPr/>
+          <a:lstStyle/>
+          <a:p>
+            <a:pPr marL="171450" indent="-171450">
+              <a:buFont typeface="Arial" panose="020B0604020202020204" pitchFamily="34" charset="0"/>
+              <a:buChar char="•"/>
+            </a:pPr>
+            <a:r>
+              <a:rPr lang="en-US" dirty="0"/>
+              <a:t>“This slide is about the business logic — we use </a:t>
+            </a:r>
+            <a:r>
+              <a:rPr lang="en-US" b="1" dirty="0"/>
+              <a:t>deterministic rules</a:t>
+            </a:r>
+            <a:r>
+              <a:rPr lang="en-US" dirty="0"/>
+              <a:t> so high-value orders automatically get prioritized, every time.”</a:t>
+            </a:r>
+          </a:p>
+          <a:p>
+            <a:pPr marL="171450" indent="-171450">
+              <a:buFont typeface="Arial" panose="020B0604020202020204" pitchFamily="34" charset="0"/>
+              <a:buChar char="•"/>
+            </a:pPr>
+            <a:r>
+              <a:rPr lang="en-US" dirty="0"/>
+              <a:t>“First, we classify an order as </a:t>
+            </a:r>
+            <a:r>
+              <a:rPr lang="en-US" b="1" dirty="0" err="1"/>
+              <a:t>HighPriority</a:t>
+            </a:r>
+            <a:r>
+              <a:rPr lang="en-US" dirty="0"/>
+              <a:t> when the order total exceeds a defined price threshold — that’s how we fast-track urgent, high-value requests.”</a:t>
+            </a:r>
+          </a:p>
+          <a:p>
+            <a:pPr marL="171450" indent="-171450">
+              <a:buFont typeface="Arial" panose="020B0604020202020204" pitchFamily="34" charset="0"/>
+              <a:buChar char="•"/>
+            </a:pPr>
+            <a:r>
+              <a:rPr lang="en-US" dirty="0"/>
+              <a:t>“Everything else that’s valid and clearly </a:t>
+            </a:r>
+            <a:r>
+              <a:rPr lang="en-US" dirty="0" err="1"/>
+              <a:t>parseable</a:t>
+            </a:r>
+            <a:r>
+              <a:rPr lang="en-US" dirty="0"/>
+              <a:t> is treated as </a:t>
+            </a:r>
+            <a:r>
+              <a:rPr lang="en-US" b="1" dirty="0"/>
+              <a:t>Standard</a:t>
+            </a:r>
+            <a:r>
+              <a:rPr lang="en-US" dirty="0"/>
+              <a:t> and processed normally.”</a:t>
+            </a:r>
+          </a:p>
+          <a:p>
+            <a:pPr marL="171450" indent="-171450">
+              <a:buFont typeface="Arial" panose="020B0604020202020204" pitchFamily="34" charset="0"/>
+              <a:buChar char="•"/>
+            </a:pPr>
+            <a:r>
+              <a:rPr lang="en-US" dirty="0"/>
+              <a:t>“If something is unclear or incomplete, it’s flagged as </a:t>
+            </a:r>
+            <a:r>
+              <a:rPr lang="en-US" b="1" dirty="0" err="1"/>
+              <a:t>NeedInfo</a:t>
+            </a:r>
+            <a:r>
+              <a:rPr lang="en-US" dirty="0"/>
+              <a:t> and routed for </a:t>
+            </a:r>
+            <a:r>
+              <a:rPr lang="en-US" b="1" dirty="0"/>
+              <a:t>manual review</a:t>
+            </a:r>
+            <a:r>
+              <a:rPr lang="en-US" dirty="0"/>
+              <a:t> so we don’t risk bad data entering the system.”</a:t>
+            </a:r>
+          </a:p>
+          <a:p>
+            <a:pPr marL="171450" indent="-171450">
+              <a:buFont typeface="Arial" panose="020B0604020202020204" pitchFamily="34" charset="0"/>
+              <a:buChar char="•"/>
+            </a:pPr>
+            <a:r>
+              <a:rPr lang="en-US" dirty="0"/>
+              <a:t>“Then we enforce it operationally with folder routing: emails are automatically sorted into </a:t>
+            </a:r>
+            <a:r>
+              <a:rPr lang="en-US" b="1" dirty="0"/>
+              <a:t>Processed</a:t>
+            </a:r>
+            <a:r>
+              <a:rPr lang="en-US" dirty="0"/>
+              <a:t>, </a:t>
+            </a:r>
+            <a:r>
+              <a:rPr lang="en-US" b="1" dirty="0"/>
+              <a:t>Priority</a:t>
+            </a:r>
+            <a:r>
+              <a:rPr lang="en-US" dirty="0"/>
+              <a:t>, or </a:t>
+            </a:r>
+            <a:r>
+              <a:rPr lang="en-US" b="1" dirty="0"/>
+              <a:t>Manual Review</a:t>
+            </a:r>
+            <a:r>
+              <a:rPr lang="en-US" dirty="0"/>
+              <a:t> folders.”</a:t>
+            </a:r>
+          </a:p>
+          <a:p>
+            <a:pPr marL="171450" indent="-171450">
+              <a:buFont typeface="Arial" panose="020B0604020202020204" pitchFamily="34" charset="0"/>
+              <a:buChar char="•"/>
+            </a:pPr>
+            <a:r>
+              <a:rPr lang="en-US" dirty="0"/>
+              <a:t>“The outcome is simple: </a:t>
+            </a:r>
+            <a:r>
+              <a:rPr lang="en-US" b="1" dirty="0"/>
+              <a:t>no order gets lost</a:t>
+            </a:r>
+            <a:r>
+              <a:rPr lang="en-US" dirty="0"/>
+              <a:t>, and the most valuable orders consistently receive the fastest attention.”</a:t>
+            </a:r>
+          </a:p>
+        </p:txBody>
+      </p:sp>
+      <p:sp>
+        <p:nvSpPr>
+          <p:cNvPr id="4" name="Slide Number Placeholder 3"/>
+          <p:cNvSpPr>
+            <a:spLocks noGrp="1"/>
+          </p:cNvSpPr>
+          <p:nvPr>
+            <p:ph type="sldNum" sz="quarter" idx="5"/>
+          </p:nvPr>
+        </p:nvSpPr>
+        <p:spPr/>
+        <p:txBody>
+          <a:bodyPr/>
+          <a:lstStyle/>
+          <a:p>
+            <a:fld id="{FDFE3F59-B45A-4BD5-B359-612AFB1795BB}" type="slidenum">
+              <a:rPr lang="en-US" smtClean="0"/>
+              <a:t>6</a:t>
+            </a:fld>
+            <a:endParaRPr lang="en-US"/>
+          </a:p>
+        </p:txBody>
+      </p:sp>
+    </p:spTree>
+    <p:extLst>
+      <p:ext uri="{BB962C8B-B14F-4D97-AF65-F5344CB8AC3E}">
+        <p14:creationId xmlns:p14="http://schemas.microsoft.com/office/powerpoint/2010/main" val="3299949448"/>
+      </p:ext>
+    </p:extLst>
+  </p:cSld>
+  <p:clrMapOvr>
+    <a:masterClrMapping/>
+  </p:clrMapOvr>
+</p:notes>
+</file>
+
+<file path=ppt/notesSlides/notesSlide7.xml><?xml version="1.0" encoding="utf-8"?>
+<p:notes xmlns:a="http://schemas.openxmlformats.org/drawingml/2006/main" xmlns:r="http://schemas.openxmlformats.org/officeDocument/2006/relationships" xmlns:p="http://schemas.openxmlformats.org/presentationml/2006/main">
+  <p:cSld>
+    <p:spTree>
+      <p:nvGrpSpPr>
+        <p:cNvPr id="1" name=""/>
+        <p:cNvGrpSpPr/>
+        <p:nvPr/>
+      </p:nvGrpSpPr>
+      <p:grpSpPr>
+        <a:xfrm>
+          <a:off x="0" y="0"/>
+          <a:ext cx="0" cy="0"/>
+          <a:chOff x="0" y="0"/>
+          <a:chExt cx="0" cy="0"/>
+        </a:xfrm>
+      </p:grpSpPr>
+      <p:sp>
+        <p:nvSpPr>
+          <p:cNvPr id="2" name="Slide Image Placeholder 1"/>
+          <p:cNvSpPr>
+            <a:spLocks noGrp="1" noRot="1" noChangeAspect="1"/>
+          </p:cNvSpPr>
+          <p:nvPr>
+            <p:ph type="sldImg"/>
+          </p:nvPr>
+        </p:nvSpPr>
+        <p:spPr/>
+      </p:sp>
+      <p:sp>
+        <p:nvSpPr>
+          <p:cNvPr id="3" name="Notes Placeholder 2"/>
+          <p:cNvSpPr>
+            <a:spLocks noGrp="1"/>
+          </p:cNvSpPr>
+          <p:nvPr>
+            <p:ph type="body" idx="1"/>
+          </p:nvPr>
+        </p:nvSpPr>
+        <p:spPr/>
+        <p:txBody>
+          <a:bodyPr/>
+          <a:lstStyle/>
+          <a:p>
+            <a:pPr marL="171450" indent="-171450">
+              <a:buFont typeface="Arial" panose="020B0604020202020204" pitchFamily="34" charset="0"/>
+              <a:buChar char="•"/>
+            </a:pPr>
+            <a:r>
+              <a:rPr lang="en-US" dirty="0"/>
+              <a:t>“This slide covers delivery and ETA — the goal is transparency, so customers immediately know when to expect fulfillment.”</a:t>
+            </a:r>
+          </a:p>
+          <a:p>
+            <a:pPr marL="171450" indent="-171450">
+              <a:buFont typeface="Arial" panose="020B0604020202020204" pitchFamily="34" charset="0"/>
+              <a:buChar char="•"/>
+            </a:pPr>
+            <a:r>
+              <a:rPr lang="en-US" dirty="0"/>
+              <a:t>“The system automatically calculates the ETA by taking today’s date and applying a delivery rule based on the order type.”</a:t>
+            </a:r>
+          </a:p>
+          <a:p>
+            <a:pPr marL="171450" indent="-171450">
+              <a:buFont typeface="Arial" panose="020B0604020202020204" pitchFamily="34" charset="0"/>
+              <a:buChar char="•"/>
+            </a:pPr>
+            <a:r>
+              <a:rPr lang="en-US" dirty="0"/>
+              <a:t>“For </a:t>
+            </a:r>
+            <a:r>
+              <a:rPr lang="en-US" b="1" dirty="0"/>
+              <a:t>Fast Delivery</a:t>
+            </a:r>
+            <a:r>
+              <a:rPr lang="en-US" dirty="0"/>
+              <a:t>, which applies to priority orders, we add a shorter lead time — so high-priority customers get a faster estimated date.”</a:t>
+            </a:r>
+          </a:p>
+          <a:p>
+            <a:pPr marL="171450" indent="-171450">
+              <a:buFont typeface="Arial" panose="020B0604020202020204" pitchFamily="34" charset="0"/>
+              <a:buChar char="•"/>
+            </a:pPr>
+            <a:r>
+              <a:rPr lang="en-US" dirty="0"/>
+              <a:t>“For </a:t>
+            </a:r>
+            <a:r>
+              <a:rPr lang="en-US" b="1" dirty="0"/>
+              <a:t>Slow Delivery</a:t>
+            </a:r>
+            <a:r>
+              <a:rPr lang="en-US" dirty="0"/>
+              <a:t>, we trigger a longer lead time when item quantities are high, to manage expectations realistically.”</a:t>
+            </a:r>
+          </a:p>
+          <a:p>
+            <a:pPr marL="171450" indent="-171450">
+              <a:buFont typeface="Arial" panose="020B0604020202020204" pitchFamily="34" charset="0"/>
+              <a:buChar char="•"/>
+            </a:pPr>
+            <a:r>
+              <a:rPr lang="en-US" dirty="0"/>
+              <a:t>“Those ETAs are then automatically inserted into the confirmation email, so the customer gets the estimate instantly without anyone writing it manually.”</a:t>
+            </a:r>
+          </a:p>
+          <a:p>
+            <a:pPr marL="171450" indent="-171450">
+              <a:buFont typeface="Arial" panose="020B0604020202020204" pitchFamily="34" charset="0"/>
+              <a:buChar char="•"/>
+            </a:pPr>
+            <a:r>
+              <a:rPr lang="en-US" dirty="0"/>
+              <a:t>“The result is consistent, accurate communication — and that builds customer trust because updates are fast and predictable.”</a:t>
+            </a:r>
+          </a:p>
+        </p:txBody>
+      </p:sp>
+      <p:sp>
+        <p:nvSpPr>
+          <p:cNvPr id="4" name="Slide Number Placeholder 3"/>
+          <p:cNvSpPr>
+            <a:spLocks noGrp="1"/>
+          </p:cNvSpPr>
+          <p:nvPr>
+            <p:ph type="sldNum" sz="quarter" idx="5"/>
+          </p:nvPr>
+        </p:nvSpPr>
+        <p:spPr/>
+        <p:txBody>
+          <a:bodyPr/>
+          <a:lstStyle/>
+          <a:p>
+            <a:fld id="{FDFE3F59-B45A-4BD5-B359-612AFB1795BB}" type="slidenum">
+              <a:rPr lang="en-US" smtClean="0"/>
+              <a:t>7</a:t>
+            </a:fld>
+            <a:endParaRPr lang="en-US"/>
+          </a:p>
+        </p:txBody>
+      </p:sp>
+    </p:spTree>
+    <p:extLst>
+      <p:ext uri="{BB962C8B-B14F-4D97-AF65-F5344CB8AC3E}">
+        <p14:creationId xmlns:p14="http://schemas.microsoft.com/office/powerpoint/2010/main" val="4277218060"/>
+      </p:ext>
+    </p:extLst>
+  </p:cSld>
+  <p:clrMapOvr>
+    <a:masterClrMapping/>
+  </p:clrMapOvr>
+</p:notes>
+</file>
+
+<file path=ppt/notesSlides/notesSlide8.xml><?xml version="1.0" encoding="utf-8"?>
+<p:notes xmlns:a="http://schemas.openxmlformats.org/drawingml/2006/main" xmlns:r="http://schemas.openxmlformats.org/officeDocument/2006/relationships" xmlns:p="http://schemas.openxmlformats.org/presentationml/2006/main">
+  <p:cSld>
+    <p:spTree>
+      <p:nvGrpSpPr>
+        <p:cNvPr id="1" name=""/>
+        <p:cNvGrpSpPr/>
+        <p:nvPr/>
+      </p:nvGrpSpPr>
+      <p:grpSpPr>
+        <a:xfrm>
+          <a:off x="0" y="0"/>
+          <a:ext cx="0" cy="0"/>
+          <a:chOff x="0" y="0"/>
+          <a:chExt cx="0" cy="0"/>
+        </a:xfrm>
+      </p:grpSpPr>
+      <p:sp>
+        <p:nvSpPr>
+          <p:cNvPr id="2" name="Slide Image Placeholder 1"/>
+          <p:cNvSpPr>
+            <a:spLocks noGrp="1" noRot="1" noChangeAspect="1"/>
+          </p:cNvSpPr>
+          <p:nvPr>
+            <p:ph type="sldImg"/>
+          </p:nvPr>
+        </p:nvSpPr>
+        <p:spPr/>
+      </p:sp>
+      <p:sp>
+        <p:nvSpPr>
+          <p:cNvPr id="3" name="Notes Placeholder 2"/>
+          <p:cNvSpPr>
+            <a:spLocks noGrp="1"/>
+          </p:cNvSpPr>
+          <p:nvPr>
+            <p:ph type="body" idx="1"/>
+          </p:nvPr>
+        </p:nvSpPr>
+        <p:spPr/>
+        <p:txBody>
+          <a:bodyPr/>
+          <a:lstStyle/>
+          <a:p>
+            <a:pPr marL="171450" indent="-171450">
+              <a:buFont typeface="Arial" panose="020B0604020202020204" pitchFamily="34" charset="0"/>
+              <a:buChar char="•"/>
+            </a:pPr>
+            <a:r>
+              <a:rPr lang="en-US" dirty="0"/>
+              <a:t>“This slide is about reliability — the system is designed to be failsafe, with clear exception handling and full logging.”</a:t>
+            </a:r>
+          </a:p>
+          <a:p>
+            <a:pPr marL="171450" indent="-171450">
+              <a:buFont typeface="Arial" panose="020B0604020202020204" pitchFamily="34" charset="0"/>
+              <a:buChar char="•"/>
+            </a:pPr>
+            <a:r>
+              <a:rPr lang="en-US" dirty="0"/>
+              <a:t>“If the bot hits an error, it doesn’t stop the whole workflow — the email is isolated into a </a:t>
+            </a:r>
+            <a:r>
+              <a:rPr lang="en-US" b="1" dirty="0"/>
+              <a:t>Failed</a:t>
+            </a:r>
+            <a:r>
+              <a:rPr lang="en-US" dirty="0"/>
+              <a:t> folder so processing can continue while the issue is investigated.”</a:t>
+            </a:r>
+          </a:p>
+          <a:p>
+            <a:pPr marL="171450" indent="-171450">
+              <a:buFont typeface="Arial" panose="020B0604020202020204" pitchFamily="34" charset="0"/>
+              <a:buChar char="•"/>
+            </a:pPr>
+            <a:r>
+              <a:rPr lang="en-US" dirty="0"/>
+              <a:t>“If an order is ambiguous, it’s routed to </a:t>
+            </a:r>
+            <a:r>
+              <a:rPr lang="en-US" b="1" dirty="0" err="1"/>
+              <a:t>NeedInfo</a:t>
+            </a:r>
+            <a:r>
+              <a:rPr lang="en-US" dirty="0"/>
+              <a:t> for manual review, so we never risk losing data or processing the wrong information.”</a:t>
+            </a:r>
+          </a:p>
+          <a:p>
+            <a:pPr marL="171450" indent="-171450">
+              <a:buFont typeface="Arial" panose="020B0604020202020204" pitchFamily="34" charset="0"/>
+              <a:buChar char="•"/>
+            </a:pPr>
+            <a:r>
+              <a:rPr lang="en-US" dirty="0"/>
+              <a:t>“On the file side, every attachment is logged and stored in a </a:t>
+            </a:r>
+            <a:r>
+              <a:rPr lang="en-US" b="1" dirty="0"/>
+              <a:t>timestamped subfolder</a:t>
+            </a:r>
+            <a:r>
+              <a:rPr lang="en-US" dirty="0"/>
+              <a:t>, so we always have the exact input that was processed.”</a:t>
+            </a:r>
+          </a:p>
+          <a:p>
+            <a:pPr marL="171450" indent="-171450">
+              <a:buFont typeface="Arial" panose="020B0604020202020204" pitchFamily="34" charset="0"/>
+              <a:buChar char="•"/>
+            </a:pPr>
+            <a:r>
+              <a:rPr lang="en-US" dirty="0"/>
+              <a:t>“And we maintain an </a:t>
+            </a:r>
+            <a:r>
+              <a:rPr lang="en-US" b="1" dirty="0"/>
+              <a:t>Audit Log</a:t>
+            </a:r>
+            <a:r>
+              <a:rPr lang="en-US" dirty="0"/>
+              <a:t> that records each transaction with a timestamp, status, and outcome — giving us full traceability end-to-end.”</a:t>
+            </a:r>
+          </a:p>
+          <a:p>
+            <a:pPr marL="171450" indent="-171450">
+              <a:buFont typeface="Arial" panose="020B0604020202020204" pitchFamily="34" charset="0"/>
+              <a:buChar char="•"/>
+            </a:pPr>
+            <a:r>
+              <a:rPr lang="en-US" dirty="0"/>
+              <a:t>“Finally, before the bot starts, it runs </a:t>
+            </a:r>
+            <a:r>
+              <a:rPr lang="en-US" b="1" dirty="0"/>
+              <a:t>pre-flight checks</a:t>
+            </a:r>
+            <a:r>
+              <a:rPr lang="en-US" dirty="0"/>
+              <a:t> to confirm file access and that required applications are ready, which prevents avoidable runtime failures.”</a:t>
+            </a:r>
+          </a:p>
+          <a:p>
+            <a:pPr marL="171450" indent="-171450">
+              <a:buFont typeface="Arial" panose="020B0604020202020204" pitchFamily="34" charset="0"/>
+              <a:buChar char="•"/>
+            </a:pPr>
+            <a:endParaRPr lang="en-US" dirty="0"/>
+          </a:p>
+        </p:txBody>
+      </p:sp>
+      <p:sp>
+        <p:nvSpPr>
+          <p:cNvPr id="4" name="Slide Number Placeholder 3"/>
+          <p:cNvSpPr>
+            <a:spLocks noGrp="1"/>
+          </p:cNvSpPr>
+          <p:nvPr>
+            <p:ph type="sldNum" sz="quarter" idx="5"/>
+          </p:nvPr>
+        </p:nvSpPr>
+        <p:spPr/>
+        <p:txBody>
+          <a:bodyPr/>
+          <a:lstStyle/>
+          <a:p>
+            <a:fld id="{FDFE3F59-B45A-4BD5-B359-612AFB1795BB}" type="slidenum">
+              <a:rPr lang="en-US" smtClean="0"/>
+              <a:t>8</a:t>
+            </a:fld>
+            <a:endParaRPr lang="en-US"/>
+          </a:p>
+        </p:txBody>
+      </p:sp>
+    </p:spTree>
+    <p:extLst>
+      <p:ext uri="{BB962C8B-B14F-4D97-AF65-F5344CB8AC3E}">
+        <p14:creationId xmlns:p14="http://schemas.microsoft.com/office/powerpoint/2010/main" val="2858492218"/>
+      </p:ext>
+    </p:extLst>
+  </p:cSld>
+  <p:clrMapOvr>
+    <a:masterClrMapping/>
+  </p:clrMapOvr>
+</p:notes>
+</file>
+
+<file path=ppt/notesSlides/notesSlide9.xml><?xml version="1.0" encoding="utf-8"?>
+<p:notes xmlns:a="http://schemas.openxmlformats.org/drawingml/2006/main" xmlns:r="http://schemas.openxmlformats.org/officeDocument/2006/relationships" xmlns:p="http://schemas.openxmlformats.org/presentationml/2006/main">
+  <p:cSld>
+    <p:spTree>
+      <p:nvGrpSpPr>
+        <p:cNvPr id="1" name=""/>
+        <p:cNvGrpSpPr/>
+        <p:nvPr/>
+      </p:nvGrpSpPr>
+      <p:grpSpPr>
+        <a:xfrm>
+          <a:off x="0" y="0"/>
+          <a:ext cx="0" cy="0"/>
+          <a:chOff x="0" y="0"/>
+          <a:chExt cx="0" cy="0"/>
+        </a:xfrm>
+      </p:grpSpPr>
+      <p:sp>
+        <p:nvSpPr>
+          <p:cNvPr id="2" name="Slide Image Placeholder 1"/>
+          <p:cNvSpPr>
+            <a:spLocks noGrp="1" noRot="1" noChangeAspect="1"/>
+          </p:cNvSpPr>
+          <p:nvPr>
+            <p:ph type="sldImg"/>
+          </p:nvPr>
+        </p:nvSpPr>
+        <p:spPr/>
+      </p:sp>
+      <p:sp>
+        <p:nvSpPr>
+          <p:cNvPr id="3" name="Notes Placeholder 2"/>
+          <p:cNvSpPr>
+            <a:spLocks noGrp="1"/>
+          </p:cNvSpPr>
+          <p:nvPr>
+            <p:ph type="body" idx="1"/>
+          </p:nvPr>
+        </p:nvSpPr>
+        <p:spPr/>
+        <p:txBody>
+          <a:bodyPr/>
+          <a:lstStyle/>
+          <a:p>
+            <a:pPr marL="171450" indent="-171450">
+              <a:buFont typeface="Arial" panose="020B0604020202020204" pitchFamily="34" charset="0"/>
+              <a:buChar char="•"/>
+            </a:pPr>
+            <a:r>
+              <a:rPr lang="en-US" dirty="0"/>
+              <a:t>“To close, this slide shows the roadmap — how we can scale the system beyond the current implementation.”</a:t>
+            </a:r>
+          </a:p>
+          <a:p>
+            <a:pPr marL="171450" indent="-171450">
+              <a:buFont typeface="Arial" panose="020B0604020202020204" pitchFamily="34" charset="0"/>
+              <a:buChar char="•"/>
+            </a:pPr>
+            <a:r>
+              <a:rPr lang="en-US" dirty="0"/>
+              <a:t>“First, we plan to expand input support by adding OCR, so the bot can process PDF attachments and even scanned order forms.”</a:t>
+            </a:r>
+          </a:p>
+          <a:p>
+            <a:pPr marL="171450" indent="-171450">
+              <a:buFont typeface="Arial" panose="020B0604020202020204" pitchFamily="34" charset="0"/>
+              <a:buChar char="•"/>
+            </a:pPr>
+            <a:r>
+              <a:rPr lang="en-US" dirty="0"/>
+              <a:t>“Second, we can build local analytics dashboards from the audit logs — so we can track order volume, processing time, exception rates, and overall efficiency.”</a:t>
+            </a:r>
+          </a:p>
+          <a:p>
+            <a:pPr marL="171450" indent="-171450">
+              <a:buFont typeface="Arial" panose="020B0604020202020204" pitchFamily="34" charset="0"/>
+              <a:buChar char="•"/>
+            </a:pPr>
+            <a:r>
+              <a:rPr lang="en-US" dirty="0"/>
+              <a:t>“Third, as usage grows, we can transition from Excel to a local SQLite database to improve data integrity, concurrency, and long-term maintainability.”</a:t>
+            </a:r>
+          </a:p>
+          <a:p>
+            <a:pPr marL="171450" indent="-171450">
+              <a:buFont typeface="Arial" panose="020B0604020202020204" pitchFamily="34" charset="0"/>
+              <a:buChar char="•"/>
+            </a:pPr>
+            <a:r>
+              <a:rPr lang="en-US" dirty="0"/>
+              <a:t>“And because the solution is modular, we can also add real-time inventory checks as a future integration — so validation happens automatically during processing.”</a:t>
+            </a:r>
+          </a:p>
+        </p:txBody>
+      </p:sp>
+      <p:sp>
+        <p:nvSpPr>
+          <p:cNvPr id="4" name="Slide Number Placeholder 3"/>
+          <p:cNvSpPr>
+            <a:spLocks noGrp="1"/>
+          </p:cNvSpPr>
+          <p:nvPr>
+            <p:ph type="sldNum" sz="quarter" idx="5"/>
+          </p:nvPr>
+        </p:nvSpPr>
+        <p:spPr/>
+        <p:txBody>
+          <a:bodyPr/>
+          <a:lstStyle/>
+          <a:p>
+            <a:fld id="{FDFE3F59-B45A-4BD5-B359-612AFB1795BB}" type="slidenum">
+              <a:rPr lang="en-US" smtClean="0"/>
+              <a:t>9</a:t>
+            </a:fld>
+            <a:endParaRPr lang="en-US"/>
+          </a:p>
+        </p:txBody>
+      </p:sp>
+    </p:spTree>
+    <p:extLst>
+      <p:ext uri="{BB962C8B-B14F-4D97-AF65-F5344CB8AC3E}">
+        <p14:creationId xmlns:p14="http://schemas.microsoft.com/office/powerpoint/2010/main" val="2233911188"/>
+      </p:ext>
+    </p:extLst>
+  </p:cSld>
+  <p:clrMapOvr>
+    <a:masterClrMapping/>
+  </p:clrMapOvr>
+</p:notes>
 </file>
 
 <file path=ppt/slideLayouts/slideLayout1.xml><?xml version="1.0" encoding="utf-8"?>
@@ -3063,7 +4997,7 @@
         </p:nvSpPr>
         <p:spPr>
           <a:xfrm>
-            <a:off x="411480" y="991443"/>
+            <a:off x="411479" y="916140"/>
             <a:ext cx="4443154" cy="1087819"/>
           </a:xfrm>
         </p:spPr>
@@ -3317,7 +5251,7 @@
           <p:nvPr/>
         </p:nvPicPr>
         <p:blipFill>
-          <a:blip r:embed="rId2">
+          <a:blip r:embed="rId3">
             <a:extLst>
               <a:ext uri="{28A0092B-C50C-407E-A947-70E740481C1C}">
                 <a14:useLocalDpi xmlns:a14="http://schemas.microsoft.com/office/drawing/2010/main" val="0"/>
@@ -3358,6 +5292,9 @@
   <p:clrMapOvr>
     <a:masterClrMapping/>
   </p:clrMapOvr>
+  <p:transition spd="slow">
+    <p:wipe/>
+  </p:transition>
 </p:sld>
 </file>
 
@@ -3689,6 +5626,9 @@
   <p:clrMapOvr>
     <a:masterClrMapping/>
   </p:clrMapOvr>
+  <p:transition spd="slow">
+    <p:wipe/>
+  </p:transition>
 </p:sld>
 </file>
 
@@ -4084,7 +6024,7 @@
           <p:nvPr/>
         </p:nvPicPr>
         <p:blipFill>
-          <a:blip r:embed="rId2">
+          <a:blip r:embed="rId3">
             <a:extLst>
               <a:ext uri="{28A0092B-C50C-407E-A947-70E740481C1C}">
                 <a14:useLocalDpi xmlns:a14="http://schemas.microsoft.com/office/drawing/2010/main" val="0"/>
@@ -4114,6 +6054,9 @@
   <p:clrMapOvr>
     <a:masterClrMapping/>
   </p:clrMapOvr>
+  <p:transition spd="slow">
+    <p:wipe/>
+  </p:transition>
 </p:sld>
 </file>
 
@@ -4487,7 +6430,7 @@
           <p:nvPr/>
         </p:nvPicPr>
         <p:blipFill>
-          <a:blip r:embed="rId2">
+          <a:blip r:embed="rId3">
             <a:extLst>
               <a:ext uri="{28A0092B-C50C-407E-A947-70E740481C1C}">
                 <a14:useLocalDpi xmlns:a14="http://schemas.microsoft.com/office/drawing/2010/main" val="0"/>
@@ -4517,6 +6460,9 @@
   <p:clrMapOvr>
     <a:masterClrMapping/>
   </p:clrMapOvr>
+  <p:transition spd="slow">
+    <p:wipe/>
+  </p:transition>
 </p:sld>
 </file>
 
@@ -4648,28 +6594,7 @@
                 <a:ea typeface="+mj-ea"/>
                 <a:cs typeface="+mj-cs"/>
               </a:rPr>
-              <a:t>Strategic</a:t>
-            </a:r>
-            <a:br>
-              <a:rPr lang="en-US" sz="3400" b="1" kern="1200" dirty="0">
-                <a:solidFill>
-                  <a:schemeClr val="tx1"/>
-                </a:solidFill>
-                <a:latin typeface="+mj-lt"/>
-                <a:ea typeface="+mj-ea"/>
-                <a:cs typeface="+mj-cs"/>
-              </a:rPr>
-            </a:br>
-            <a:r>
-              <a:rPr lang="en-US" sz="3400" b="1" kern="1200" dirty="0">
-                <a:solidFill>
-                  <a:schemeClr val="tx1"/>
-                </a:solidFill>
-                <a:latin typeface="+mj-lt"/>
-                <a:ea typeface="+mj-ea"/>
-                <a:cs typeface="+mj-cs"/>
-              </a:rPr>
-              <a:t>Comparison</a:t>
+              <a:t>Implementation Approaches</a:t>
             </a:r>
           </a:p>
         </p:txBody>
@@ -4830,7 +6755,7 @@
         <p:spPr>
           <a:xfrm>
             <a:off x="411480" y="2684094"/>
-            <a:ext cx="4443154" cy="3945305"/>
+            <a:ext cx="6613264" cy="3945305"/>
           </a:xfrm>
         </p:spPr>
         <p:txBody>
@@ -4839,79 +6764,213 @@
           </a:bodyPr>
           <a:lstStyle/>
           <a:p>
-            <a:pPr>
-              <a:lnSpc>
-                <a:spcPts val="1800"/>
-              </a:lnSpc>
-            </a:pPr>
-            <a:r>
-              <a:rPr lang="en-US" sz="1500" dirty="0"/>
-              <a:t>RPA offers a strategic advantage by automating existing local workflows without the need for complex cloud migrations or rigid templates.</a:t>
-            </a:r>
-          </a:p>
-          <a:p>
-            <a:endParaRPr lang="en-US" sz="1500" dirty="0"/>
-          </a:p>
-          <a:p>
             <a:pPr marL="285750" indent="-285750">
-              <a:lnSpc>
-                <a:spcPts val="2000"/>
-              </a:lnSpc>
               <a:buFont typeface="Arial" panose="020B0604020202020204" pitchFamily="34" charset="0"/>
               <a:buChar char="•"/>
             </a:pPr>
             <a:r>
-              <a:rPr lang="en-US" sz="1500" dirty="0"/>
-              <a:t>Handles variations in email bodies that standard templates cannot.</a:t>
+              <a:rPr lang="en-US" b="1" dirty="0">
+                <a:solidFill>
+                  <a:schemeClr val="accent4"/>
+                </a:solidFill>
+              </a:rPr>
+              <a:t>Our RPA Solution:</a:t>
+            </a:r>
+            <a:r>
+              <a:rPr lang="en-US" dirty="0">
+                <a:solidFill>
+                  <a:schemeClr val="accent4"/>
+                </a:solidFill>
+              </a:rPr>
+              <a:t> </a:t>
+            </a:r>
+            <a:r>
+              <a:rPr lang="en-US" dirty="0"/>
+              <a:t>Focuses on "Surface Integration" using </a:t>
+            </a:r>
+            <a:r>
+              <a:rPr lang="en-US" b="1" dirty="0"/>
+              <a:t>UiPath</a:t>
+            </a:r>
+            <a:r>
+              <a:rPr lang="en-US" dirty="0"/>
+              <a:t> to work with the software you already have, such as </a:t>
+            </a:r>
+            <a:r>
+              <a:rPr lang="en-US" b="1" dirty="0"/>
+              <a:t>Outlook Classic</a:t>
+            </a:r>
+            <a:r>
+              <a:rPr lang="en-US" dirty="0"/>
+              <a:t> and </a:t>
+            </a:r>
+            <a:r>
+              <a:rPr lang="en-US" b="1" dirty="0"/>
+              <a:t>Excel</a:t>
+            </a:r>
+            <a:r>
+              <a:rPr lang="en-US" dirty="0"/>
+              <a:t>, without needing to change them.</a:t>
             </a:r>
           </a:p>
           <a:p>
             <a:pPr marL="285750" indent="-285750">
-              <a:lnSpc>
-                <a:spcPts val="2000"/>
-              </a:lnSpc>
               <a:buFont typeface="Arial" panose="020B0604020202020204" pitchFamily="34" charset="0"/>
               <a:buChar char="•"/>
             </a:pPr>
             <a:r>
-              <a:rPr lang="en-US" sz="1500" dirty="0"/>
-              <a:t>Avoids high implementation costs and complex integration of cloud portals.</a:t>
+              <a:rPr lang="en-US" b="1" dirty="0">
+                <a:solidFill>
+                  <a:schemeClr val="accent4"/>
+                </a:solidFill>
+              </a:rPr>
+              <a:t>API-Based Integration:</a:t>
+            </a:r>
+            <a:r>
+              <a:rPr lang="en-US" dirty="0">
+                <a:solidFill>
+                  <a:schemeClr val="accent4"/>
+                </a:solidFill>
+              </a:rPr>
+              <a:t> </a:t>
+            </a:r>
+            <a:r>
+              <a:rPr lang="en-US" dirty="0"/>
+              <a:t>Requires software to have "open doors" or APIs to communicate, which tools like </a:t>
+            </a:r>
+            <a:r>
+              <a:rPr lang="en-US" b="1" dirty="0"/>
+              <a:t>Zapier</a:t>
+            </a:r>
+            <a:r>
+              <a:rPr lang="en-US" dirty="0"/>
+              <a:t>, </a:t>
+            </a:r>
+            <a:r>
+              <a:rPr lang="en-US" b="1" dirty="0"/>
+              <a:t>Make.com</a:t>
+            </a:r>
+            <a:r>
+              <a:rPr lang="en-US" dirty="0"/>
+              <a:t>, or </a:t>
+            </a:r>
+            <a:r>
+              <a:rPr lang="en-US" b="1" dirty="0"/>
+              <a:t>Power Automate Cloud</a:t>
+            </a:r>
+            <a:r>
+              <a:rPr lang="en-US" dirty="0"/>
+              <a:t> use, but many local or older desktop versions do not support these connections.</a:t>
             </a:r>
           </a:p>
           <a:p>
             <a:pPr marL="285750" indent="-285750">
-              <a:lnSpc>
-                <a:spcPts val="2000"/>
-              </a:lnSpc>
               <a:buFont typeface="Arial" panose="020B0604020202020204" pitchFamily="34" charset="0"/>
               <a:buChar char="•"/>
             </a:pPr>
             <a:r>
-              <a:rPr lang="en-US" sz="1500" dirty="0"/>
-              <a:t>Provides a robust, configuration-driven framework easier to maintain than custom scripts.</a:t>
+              <a:rPr lang="en-US" b="1" dirty="0">
+                <a:solidFill>
+                  <a:schemeClr val="accent4"/>
+                </a:solidFill>
+              </a:rPr>
+              <a:t>Outsourced Portals:</a:t>
+            </a:r>
+            <a:r>
+              <a:rPr lang="en-US" dirty="0">
+                <a:solidFill>
+                  <a:schemeClr val="accent4"/>
+                </a:solidFill>
+              </a:rPr>
+              <a:t> </a:t>
+            </a:r>
+            <a:r>
+              <a:rPr lang="en-US" dirty="0"/>
+              <a:t>Moves the work to a third-party website like </a:t>
+            </a:r>
+            <a:r>
+              <a:rPr lang="en-US" b="1" dirty="0"/>
+              <a:t>SAP Ariba</a:t>
+            </a:r>
+            <a:r>
+              <a:rPr lang="en-US" dirty="0"/>
+              <a:t>, </a:t>
+            </a:r>
+            <a:r>
+              <a:rPr lang="en-US" b="1" dirty="0"/>
+              <a:t>Coupa</a:t>
+            </a:r>
+            <a:r>
+              <a:rPr lang="en-US" dirty="0"/>
+              <a:t>, or </a:t>
+            </a:r>
+            <a:r>
+              <a:rPr lang="en-US" b="1" dirty="0"/>
+              <a:t>Oracle NetSuite</a:t>
+            </a:r>
+            <a:r>
+              <a:rPr lang="en-US" dirty="0"/>
+              <a:t>, which takes the data out of your direct control and adds recurring subscription costs.</a:t>
             </a:r>
           </a:p>
           <a:p>
             <a:pPr marL="285750" indent="-285750">
-              <a:lnSpc>
-                <a:spcPts val="2000"/>
-              </a:lnSpc>
               <a:buFont typeface="Arial" panose="020B0604020202020204" pitchFamily="34" charset="0"/>
               <a:buChar char="•"/>
             </a:pPr>
             <a:r>
-              <a:rPr lang="en-US" sz="1500" dirty="0"/>
-              <a:t>Leverages existing UI/Desktop apps, ideal for local Outlook and Excel environments.</a:t>
+              <a:rPr lang="en-US" b="1" dirty="0">
+                <a:solidFill>
+                  <a:schemeClr val="accent4"/>
+                </a:solidFill>
+              </a:rPr>
+              <a:t>Custom Middleware:</a:t>
+            </a:r>
+            <a:r>
+              <a:rPr lang="en-US" dirty="0">
+                <a:solidFill>
+                  <a:schemeClr val="accent4"/>
+                </a:solidFill>
+              </a:rPr>
+              <a:t> </a:t>
+            </a:r>
+            <a:r>
+              <a:rPr lang="en-US" dirty="0"/>
+              <a:t>Involves building separate "bridge" software using platforms like </a:t>
+            </a:r>
+            <a:r>
+              <a:rPr lang="en-US" b="1" dirty="0"/>
+              <a:t>MuleSoft</a:t>
+            </a:r>
+            <a:r>
+              <a:rPr lang="en-US" dirty="0"/>
+              <a:t>, </a:t>
+            </a:r>
+            <a:r>
+              <a:rPr lang="en-US" b="1" dirty="0"/>
+              <a:t>IBM App Connect</a:t>
+            </a:r>
+            <a:r>
+              <a:rPr lang="en-US" dirty="0"/>
+              <a:t>, or </a:t>
+            </a:r>
+            <a:r>
+              <a:rPr lang="en-US" b="1" dirty="0"/>
+              <a:t>Custom Python Scripts</a:t>
+            </a:r>
+            <a:r>
+              <a:rPr lang="en-US" dirty="0"/>
+              <a:t>, which is expensive to develop and requires a dedicated IT team to maintain.</a:t>
             </a:r>
           </a:p>
         </p:txBody>
       </p:sp>
       <p:pic>
         <p:nvPicPr>
-          <p:cNvPr id="11" name="Graphic 10" descr="Email">
+          <p:cNvPr id="12" name="Picture 11">
             <a:extLst>
               <a:ext uri="{FF2B5EF4-FFF2-40B4-BE49-F238E27FC236}">
-                <a16:creationId xmlns:a16="http://schemas.microsoft.com/office/drawing/2014/main" id="{E685FC29-849C-AC80-4B57-5DFF98C7CB9F}"/>
+                <a16:creationId xmlns:a16="http://schemas.microsoft.com/office/drawing/2014/main" id="{B36DD3D7-95F1-D047-9538-3EC1027097B1}"/>
               </a:ext>
             </a:extLst>
           </p:cNvPr>
@@ -4921,24 +6980,15 @@
           <p:nvPr/>
         </p:nvPicPr>
         <p:blipFill>
-          <a:blip r:embed="rId2">
-            <a:extLst>
-              <a:ext uri="{28A0092B-C50C-407E-A947-70E740481C1C}">
-                <a14:useLocalDpi xmlns:a14="http://schemas.microsoft.com/office/drawing/2010/main" val="0"/>
-              </a:ext>
-              <a:ext uri="{96DAC541-7B7A-43D3-8B79-37D633B846F1}">
-                <asvg:svgBlip xmlns:asvg="http://schemas.microsoft.com/office/drawing/2016/SVG/main" r:embed="rId3"/>
-              </a:ext>
-            </a:extLst>
-          </a:blip>
+          <a:blip r:embed="rId3"/>
           <a:stretch>
             <a:fillRect/>
           </a:stretch>
         </p:blipFill>
         <p:spPr>
           <a:xfrm>
-            <a:off x="5830388" y="625683"/>
-            <a:ext cx="5551280" cy="5551280"/>
+            <a:off x="7337368" y="1942355"/>
+            <a:ext cx="4047206" cy="4047206"/>
           </a:xfrm>
           <a:prstGeom prst="rect">
             <a:avLst/>
@@ -4955,6 +7005,9 @@
   <p:clrMapOvr>
     <a:masterClrMapping/>
   </p:clrMapOvr>
+  <p:transition spd="slow">
+    <p:wipe/>
+  </p:transition>
 </p:sld>
 </file>
 
@@ -5278,24 +7331,32 @@
           <a:p>
             <a:pPr>
               <a:lnSpc>
-                <a:spcPts val="2200"/>
+                <a:spcPct val="100000"/>
               </a:lnSpc>
             </a:pPr>
             <a:r>
-              <a:rPr lang="en-US" sz="1400" dirty="0"/>
+              <a:rPr lang="en-US" sz="1500" dirty="0"/>
               <a:t>The system leverages a robust, local technology stack to ensure high performance, security, and seamless integration with existing desktop tools.</a:t>
             </a:r>
+          </a:p>
+          <a:p>
+            <a:pPr>
+              <a:lnSpc>
+                <a:spcPct val="100000"/>
+              </a:lnSpc>
+            </a:pPr>
+            <a:endParaRPr lang="en-US" sz="1500" dirty="0"/>
           </a:p>
           <a:p>
             <a:pPr marL="285750" indent="-285750" algn="l">
               <a:lnSpc>
-                <a:spcPts val="2700"/>
+                <a:spcPct val="100000"/>
               </a:lnSpc>
               <a:buFont typeface="Arial" panose="020B0604020202020204" pitchFamily="34" charset="0"/>
               <a:buChar char="•"/>
             </a:pPr>
             <a:r>
-              <a:rPr lang="en-US" sz="1400" b="1" dirty="0">
+              <a:rPr lang="en-US" sz="1500" b="1" dirty="0">
                 <a:solidFill>
                   <a:schemeClr val="accent4"/>
                 </a:solidFill>
@@ -5303,27 +7364,20 @@
               <a:t>UiPath Studio: </a:t>
             </a:r>
             <a:r>
-              <a:rPr lang="en-US" sz="1400" dirty="0"/>
-              <a:t>The core engine used to build modular</a:t>
-            </a:r>
-            <a:br>
-              <a:rPr lang="en-US" sz="1400" dirty="0"/>
-            </a:br>
-            <a:r>
-              <a:rPr lang="en-US" sz="1400" dirty="0"/>
-              <a:t>and stable automation sequences.</a:t>
+              <a:rPr lang="en-US" sz="1500" dirty="0"/>
+              <a:t>The core engine used to build modular and stable automation sequences.</a:t>
             </a:r>
           </a:p>
           <a:p>
             <a:pPr marL="285750" indent="-285750" algn="l">
               <a:lnSpc>
-                <a:spcPts val="2700"/>
+                <a:spcPct val="100000"/>
               </a:lnSpc>
               <a:buFont typeface="Arial" panose="020B0604020202020204" pitchFamily="34" charset="0"/>
               <a:buChar char="•"/>
             </a:pPr>
             <a:r>
-              <a:rPr lang="en-US" sz="1400" b="1" dirty="0">
+              <a:rPr lang="en-US" sz="1500" b="1" dirty="0">
                 <a:solidFill>
                   <a:schemeClr val="accent4"/>
                 </a:solidFill>
@@ -5331,27 +7385,27 @@
               <a:t>Outlook Classic: </a:t>
             </a:r>
             <a:r>
-              <a:rPr lang="en-US" sz="1400" dirty="0"/>
+              <a:rPr lang="en-US" sz="1500" dirty="0"/>
               <a:t>Direct local integration for fetching</a:t>
             </a:r>
             <a:br>
-              <a:rPr lang="en-US" sz="1400" dirty="0"/>
+              <a:rPr lang="en-US" sz="1500" dirty="0"/>
             </a:br>
             <a:r>
-              <a:rPr lang="en-US" sz="1400" dirty="0"/>
+              <a:rPr lang="en-US" sz="1500" dirty="0"/>
               <a:t>unread order emails and routing.</a:t>
             </a:r>
           </a:p>
           <a:p>
             <a:pPr marL="285750" indent="-285750" algn="l">
               <a:lnSpc>
-                <a:spcPts val="2700"/>
+                <a:spcPct val="100000"/>
               </a:lnSpc>
               <a:buFont typeface="Arial" panose="020B0604020202020204" pitchFamily="34" charset="0"/>
               <a:buChar char="•"/>
             </a:pPr>
             <a:r>
-              <a:rPr lang="en-US" sz="1400" b="1" dirty="0">
+              <a:rPr lang="en-US" sz="1500" b="1" dirty="0">
                 <a:solidFill>
                   <a:schemeClr val="accent4"/>
                 </a:solidFill>
@@ -5359,27 +7413,20 @@
               <a:t>Microsoft Excel: </a:t>
             </a:r>
             <a:r>
-              <a:rPr lang="en-US" sz="1400" dirty="0"/>
-              <a:t>Local storage and management of the</a:t>
-            </a:r>
-            <a:br>
-              <a:rPr lang="en-US" sz="1400" dirty="0"/>
-            </a:br>
-            <a:r>
-              <a:rPr lang="en-US" sz="1400" dirty="0"/>
-              <a:t>restock spreadsheet and audit logs.</a:t>
+              <a:rPr lang="en-US" sz="1500" dirty="0"/>
+              <a:t>Local storage and management of the restock spreadsheet and audit logs.</a:t>
             </a:r>
           </a:p>
           <a:p>
             <a:pPr marL="285750" indent="-285750" algn="l">
               <a:lnSpc>
-                <a:spcPts val="2700"/>
+                <a:spcPct val="100000"/>
               </a:lnSpc>
               <a:buFont typeface="Arial" panose="020B0604020202020204" pitchFamily="34" charset="0"/>
               <a:buChar char="•"/>
             </a:pPr>
             <a:r>
-              <a:rPr lang="en-US" sz="1400" b="1" dirty="0">
+              <a:rPr lang="en-US" sz="1500" b="1" dirty="0">
                 <a:solidFill>
                   <a:schemeClr val="accent4"/>
                 </a:solidFill>
@@ -5387,15 +7434,16 @@
               <a:t>Local Security: </a:t>
             </a:r>
             <a:r>
-              <a:rPr lang="en-US" sz="1400" dirty="0"/>
-              <a:t>All data processing and storage remain</a:t>
-            </a:r>
-            <a:br>
-              <a:rPr lang="en-US" sz="1400" dirty="0"/>
-            </a:br>
-            <a:r>
-              <a:rPr lang="en-US" sz="1400" dirty="0"/>
-              <a:t>on the workstation for maximum control.</a:t>
+              <a:rPr lang="en-US" sz="1500" dirty="0"/>
+              <a:t>All data processing and storage </a:t>
+            </a:r>
+            <a:r>
+              <a:rPr lang="en-US" dirty="0"/>
+              <a:t>remain on</a:t>
+            </a:r>
+            <a:r>
+              <a:rPr lang="en-US" sz="1500" dirty="0"/>
+              <a:t> the workstation for maximum control.</a:t>
             </a:r>
           </a:p>
         </p:txBody>
@@ -5415,7 +7463,7 @@
           <p:nvPr/>
         </p:nvPicPr>
         <p:blipFill>
-          <a:blip r:embed="rId2">
+          <a:blip r:embed="rId3">
             <a:extLst>
               <a:ext uri="{28A0092B-C50C-407E-A947-70E740481C1C}">
                 <a14:useLocalDpi xmlns:a14="http://schemas.microsoft.com/office/drawing/2010/main" val="0"/>
@@ -5450,7 +7498,7 @@
           <p:nvPr/>
         </p:nvPicPr>
         <p:blipFill>
-          <a:blip r:embed="rId3">
+          <a:blip r:embed="rId4">
             <a:extLst>
               <a:ext uri="{28A0092B-C50C-407E-A947-70E740481C1C}">
                 <a14:useLocalDpi xmlns:a14="http://schemas.microsoft.com/office/drawing/2010/main" val="0"/>
@@ -5485,7 +7533,7 @@
           <p:nvPr/>
         </p:nvPicPr>
         <p:blipFill>
-          <a:blip r:embed="rId4">
+          <a:blip r:embed="rId5">
             <a:extLst>
               <a:ext uri="{28A0092B-C50C-407E-A947-70E740481C1C}">
                 <a14:useLocalDpi xmlns:a14="http://schemas.microsoft.com/office/drawing/2010/main" val="0"/>
@@ -5526,6 +7574,9 @@
   <p:clrMapOvr>
     <a:masterClrMapping/>
   </p:clrMapOvr>
+  <p:transition spd="slow">
+    <p:wipe/>
+  </p:transition>
 </p:sld>
 </file>
 
@@ -5833,12 +7884,12 @@
           <a:lstStyle/>
           <a:p>
             <a:r>
-              <a:rPr lang="en-US" sz="1400" dirty="0"/>
+              <a:rPr lang="en-US" sz="1500" dirty="0"/>
               <a:t>The system applies deterministic rules to categorize orders and manage email workflow automatically.</a:t>
             </a:r>
           </a:p>
           <a:p>
-            <a:endParaRPr lang="en-US" sz="1400" dirty="0"/>
+            <a:endParaRPr lang="en-US" sz="1500" dirty="0"/>
           </a:p>
           <a:p>
             <a:pPr marL="285750" indent="-285750">
@@ -5846,7 +7897,7 @@
               <a:buChar char="•"/>
             </a:pPr>
             <a:r>
-              <a:rPr lang="en-US" sz="1400" b="1" dirty="0" err="1">
+              <a:rPr lang="en-US" sz="1500" b="1" dirty="0" err="1">
                 <a:solidFill>
                   <a:schemeClr val="accent4"/>
                 </a:solidFill>
@@ -5854,7 +7905,7 @@
               <a:t>HighPriority</a:t>
             </a:r>
             <a:r>
-              <a:rPr lang="en-US" sz="1400" dirty="0"/>
+              <a:rPr lang="en-US" sz="1500" dirty="0"/>
               <a:t> is assigned when order totals exceed the "Fast Delivery" price threshold.</a:t>
             </a:r>
           </a:p>
@@ -5864,7 +7915,7 @@
               <a:buChar char="•"/>
             </a:pPr>
             <a:r>
-              <a:rPr lang="en-US" sz="1400" b="1" dirty="0">
+              <a:rPr lang="en-US" sz="1500" b="1" dirty="0">
                 <a:solidFill>
                   <a:schemeClr val="accent4"/>
                 </a:solidFill>
@@ -5872,15 +7923,15 @@
               <a:t>Standard</a:t>
             </a:r>
             <a:r>
-              <a:rPr lang="en-US" sz="1400" dirty="0"/>
+              <a:rPr lang="en-US" sz="1500" dirty="0"/>
               <a:t> status is the default for all other valid, </a:t>
             </a:r>
             <a:r>
-              <a:rPr lang="en-US" sz="1400" dirty="0" err="1"/>
+              <a:rPr lang="en-US" sz="1500" dirty="0" err="1"/>
               <a:t>parseable</a:t>
             </a:r>
             <a:r>
-              <a:rPr lang="en-US" sz="1400" dirty="0"/>
+              <a:rPr lang="en-US" sz="1500" dirty="0"/>
               <a:t> orders.</a:t>
             </a:r>
           </a:p>
@@ -5890,7 +7941,7 @@
               <a:buChar char="•"/>
             </a:pPr>
             <a:r>
-              <a:rPr lang="en-US" sz="1400" b="1" dirty="0" err="1">
+              <a:rPr lang="en-US" sz="1500" b="1" dirty="0" err="1">
                 <a:solidFill>
                   <a:schemeClr val="accent4"/>
                 </a:solidFill>
@@ -5898,7 +7949,7 @@
               <a:t>NeedInfo</a:t>
             </a:r>
             <a:r>
-              <a:rPr lang="en-US" sz="1400" b="1" dirty="0">
+              <a:rPr lang="en-US" sz="1500" b="1" dirty="0">
                 <a:solidFill>
                   <a:schemeClr val="accent4"/>
                 </a:solidFill>
@@ -5906,11 +7957,11 @@
               <a:t> </a:t>
             </a:r>
             <a:r>
-              <a:rPr lang="en-US" sz="1400" dirty="0"/>
+              <a:rPr lang="en-US" sz="1500" dirty="0"/>
               <a:t>routing</a:t>
             </a:r>
             <a:r>
-              <a:rPr lang="en-US" sz="1400" b="1" dirty="0">
+              <a:rPr lang="en-US" sz="1500" b="1" dirty="0">
                 <a:solidFill>
                   <a:schemeClr val="accent4"/>
                 </a:solidFill>
@@ -5918,7 +7969,7 @@
               <a:t> </a:t>
             </a:r>
             <a:r>
-              <a:rPr lang="en-US" sz="1400" dirty="0"/>
+              <a:rPr lang="en-US" sz="1500" dirty="0"/>
               <a:t>flags ambiguous orders for manual review to prevent data loss.</a:t>
             </a:r>
           </a:p>
@@ -5928,7 +7979,7 @@
               <a:buChar char="•"/>
             </a:pPr>
             <a:r>
-              <a:rPr lang="en-US" sz="1400" b="1" dirty="0">
+              <a:rPr lang="en-US" sz="1500" b="1" dirty="0">
                 <a:solidFill>
                   <a:schemeClr val="accent4"/>
                 </a:solidFill>
@@ -5936,11 +7987,11 @@
               <a:t>Outcome</a:t>
             </a:r>
             <a:r>
-              <a:rPr lang="en-US" sz="1400" dirty="0"/>
+              <a:rPr lang="en-US" sz="1500" dirty="0"/>
               <a:t> folders ensure clear separation between processed,</a:t>
             </a:r>
             <a:r>
-              <a:rPr lang="en-US" sz="1400" dirty="0">
+              <a:rPr lang="en-US" sz="1500" dirty="0">
                 <a:solidFill>
                   <a:schemeClr val="accent4"/>
                 </a:solidFill>
@@ -5948,7 +7999,7 @@
               <a:t> </a:t>
             </a:r>
             <a:r>
-              <a:rPr lang="en-US" sz="1400" dirty="0"/>
+              <a:rPr lang="en-US" sz="1500" dirty="0"/>
               <a:t>high priority, and manual review items.</a:t>
             </a:r>
           </a:p>
@@ -5972,7 +8023,7 @@
           <p:nvPr/>
         </p:nvPicPr>
         <p:blipFill>
-          <a:blip r:embed="rId2">
+          <a:blip r:embed="rId3">
             <a:extLst>
               <a:ext uri="{28A0092B-C50C-407E-A947-70E740481C1C}">
                 <a14:useLocalDpi xmlns:a14="http://schemas.microsoft.com/office/drawing/2010/main" val="0"/>
@@ -6002,6 +8053,9 @@
   <p:clrMapOvr>
     <a:masterClrMapping/>
   </p:clrMapOvr>
+  <p:transition spd="slow">
+    <p:wipe/>
+  </p:transition>
 </p:sld>
 </file>
 
@@ -6308,21 +8362,34 @@
           </a:bodyPr>
           <a:lstStyle/>
           <a:p>
-            <a:r>
-              <a:rPr lang="en-US" sz="1400" dirty="0"/>
+            <a:pPr>
+              <a:lnSpc>
+                <a:spcPct val="100000"/>
+              </a:lnSpc>
+            </a:pPr>
+            <a:r>
+              <a:rPr lang="en-US" sz="1500" dirty="0"/>
               <a:t>The system automatically computes delivery estimates to provide customers with accurate and timely order fulfillment information.</a:t>
             </a:r>
+          </a:p>
+          <a:p>
+            <a:pPr>
+              <a:lnSpc>
+                <a:spcPct val="100000"/>
+              </a:lnSpc>
+            </a:pPr>
+            <a:endParaRPr lang="en-US" sz="1500" dirty="0"/>
           </a:p>
           <a:p>
             <a:pPr marL="285750" indent="-285750">
               <a:lnSpc>
-                <a:spcPts val="2700"/>
+                <a:spcPct val="100000"/>
               </a:lnSpc>
               <a:buFont typeface="Arial" panose="020B0604020202020204" pitchFamily="34" charset="0"/>
               <a:buChar char="•"/>
             </a:pPr>
             <a:r>
-              <a:rPr lang="en-US" sz="1400" b="1" dirty="0">
+              <a:rPr lang="en-US" sz="1500" b="1" dirty="0">
                 <a:solidFill>
                   <a:schemeClr val="accent4"/>
                 </a:solidFill>
@@ -6330,25 +8397,25 @@
               <a:t>Fast Delivery: </a:t>
             </a:r>
             <a:r>
-              <a:rPr lang="en-US" sz="1400" dirty="0">
+              <a:rPr lang="en-US" sz="1500" dirty="0">
                 <a:solidFill>
                   <a:srgbClr val="E2E8F0"/>
                 </a:solidFill>
               </a:rPr>
               <a:t>Today plus Fast days (applied to all high priority orders).</a:t>
             </a:r>
-            <a:endParaRPr lang="en-US" sz="1400" dirty="0"/>
+            <a:endParaRPr lang="en-US" sz="1500" dirty="0"/>
           </a:p>
           <a:p>
             <a:pPr marL="285750" indent="-285750">
               <a:lnSpc>
-                <a:spcPts val="2700"/>
+                <a:spcPct val="100000"/>
               </a:lnSpc>
               <a:buFont typeface="Arial" panose="020B0604020202020204" pitchFamily="34" charset="0"/>
               <a:buChar char="•"/>
             </a:pPr>
             <a:r>
-              <a:rPr lang="en-US" sz="1400" b="1" dirty="0">
+              <a:rPr lang="en-US" sz="1500" b="1" dirty="0">
                 <a:solidFill>
                   <a:schemeClr val="accent4"/>
                 </a:solidFill>
@@ -6356,25 +8423,25 @@
               <a:t>Slow Delivery: </a:t>
             </a:r>
             <a:r>
-              <a:rPr lang="en-US" sz="1400" dirty="0">
+              <a:rPr lang="en-US" sz="1500" dirty="0">
                 <a:solidFill>
                   <a:srgbClr val="E2E8F0"/>
                 </a:solidFill>
               </a:rPr>
               <a:t>Today plus Slow days (applied to orders with high item quantities).</a:t>
             </a:r>
-            <a:endParaRPr lang="en-US" sz="1400" dirty="0"/>
+            <a:endParaRPr lang="en-US" sz="1500" dirty="0"/>
           </a:p>
           <a:p>
             <a:pPr marL="285750" indent="-285750">
               <a:lnSpc>
-                <a:spcPts val="2700"/>
+                <a:spcPct val="100000"/>
               </a:lnSpc>
               <a:buFont typeface="Arial" panose="020B0604020202020204" pitchFamily="34" charset="0"/>
               <a:buChar char="•"/>
             </a:pPr>
             <a:r>
-              <a:rPr lang="en-US" sz="1400" b="1" dirty="0">
+              <a:rPr lang="en-US" sz="1500" b="1" dirty="0">
                 <a:solidFill>
                   <a:schemeClr val="accent4"/>
                 </a:solidFill>
@@ -6382,25 +8449,25 @@
               <a:t>Standard Delivery: </a:t>
             </a:r>
             <a:r>
-              <a:rPr lang="en-US" sz="1400" dirty="0">
+              <a:rPr lang="en-US" sz="1500" dirty="0">
                 <a:solidFill>
                   <a:srgbClr val="E2E8F0"/>
                 </a:solidFill>
               </a:rPr>
               <a:t>Today plus Slow days (applied to orders with high item quantities).</a:t>
             </a:r>
-            <a:endParaRPr lang="en-US" sz="1400" dirty="0"/>
+            <a:endParaRPr lang="en-US" sz="1500" dirty="0"/>
           </a:p>
           <a:p>
             <a:pPr marL="285750" indent="-285750">
               <a:lnSpc>
-                <a:spcPts val="2700"/>
+                <a:spcPct val="100000"/>
               </a:lnSpc>
               <a:buFont typeface="Arial" panose="020B0604020202020204" pitchFamily="34" charset="0"/>
               <a:buChar char="•"/>
             </a:pPr>
             <a:r>
-              <a:rPr lang="en-US" sz="1400" b="1" dirty="0">
+              <a:rPr lang="en-US" sz="1500" b="1" dirty="0">
                 <a:solidFill>
                   <a:schemeClr val="accent4"/>
                 </a:solidFill>
@@ -6408,17 +8475,17 @@
               <a:t>Automated Communication: </a:t>
             </a:r>
             <a:r>
-              <a:rPr lang="en-US" sz="1400" dirty="0">
+              <a:rPr lang="en-US" sz="1500" dirty="0">
                 <a:solidFill>
                   <a:srgbClr val="E2E8F0"/>
                 </a:solidFill>
               </a:rPr>
               <a:t>Estimates are included in the instant email reply sent to the customer.</a:t>
             </a:r>
-            <a:endParaRPr lang="en-US" sz="1400" dirty="0"/>
-          </a:p>
-          <a:p>
-            <a:endParaRPr lang="en-US" sz="1400" dirty="0"/>
+            <a:endParaRPr lang="en-US" sz="1500" dirty="0"/>
+          </a:p>
+          <a:p>
+            <a:endParaRPr lang="en-US" sz="1500" dirty="0"/>
           </a:p>
         </p:txBody>
       </p:sp>
@@ -6437,7 +8504,7 @@
           <p:nvPr/>
         </p:nvPicPr>
         <p:blipFill>
-          <a:blip r:embed="rId2">
+          <a:blip r:embed="rId3">
             <a:extLst>
               <a:ext uri="{28A0092B-C50C-407E-A947-70E740481C1C}">
                 <a14:useLocalDpi xmlns:a14="http://schemas.microsoft.com/office/drawing/2010/main" val="0"/>
@@ -6467,6 +8534,9 @@
   <p:clrMapOvr>
     <a:masterClrMapping/>
   </p:clrMapOvr>
+  <p:transition spd="slow">
+    <p:wipe/>
+  </p:transition>
 </p:sld>
 </file>
 
@@ -6767,11 +8837,11 @@
           <a:p>
             <a:pPr>
               <a:lnSpc>
-                <a:spcPts val="2000"/>
+                <a:spcPct val="100000"/>
               </a:lnSpc>
             </a:pPr>
             <a:r>
-              <a:rPr lang="en-US" sz="1400" dirty="0">
+              <a:rPr lang="en-US" sz="1500" dirty="0">
                 <a:solidFill>
                   <a:srgbClr val="E2E8F0"/>
                 </a:solidFill>
@@ -6782,21 +8852,21 @@
           <a:p>
             <a:pPr>
               <a:lnSpc>
-                <a:spcPts val="2000"/>
+                <a:spcPct val="100000"/>
               </a:lnSpc>
             </a:pPr>
-            <a:endParaRPr lang="en-US" sz="1400" dirty="0"/>
+            <a:endParaRPr lang="en-US" sz="1500" dirty="0"/>
           </a:p>
           <a:p>
             <a:pPr marL="285750" indent="-285750">
               <a:lnSpc>
-                <a:spcPts val="2000"/>
+                <a:spcPct val="100000"/>
               </a:lnSpc>
               <a:buFont typeface="Arial" panose="020B0604020202020204" pitchFamily="34" charset="0"/>
               <a:buChar char="•"/>
             </a:pPr>
             <a:r>
-              <a:rPr lang="en-US" sz="1400" b="1" dirty="0" err="1">
+              <a:rPr lang="en-US" sz="1500" b="1" dirty="0" err="1">
                 <a:solidFill>
                   <a:schemeClr val="accent4"/>
                 </a:solidFill>
@@ -6804,7 +8874,7 @@
               <a:t>NeedInfo</a:t>
             </a:r>
             <a:r>
-              <a:rPr lang="en-US" sz="1400" b="1" dirty="0">
+              <a:rPr lang="en-US" sz="1500" b="1" dirty="0">
                 <a:solidFill>
                   <a:schemeClr val="accent4"/>
                 </a:solidFill>
@@ -6812,25 +8882,25 @@
               <a:t> Routing: </a:t>
             </a:r>
             <a:r>
-              <a:rPr lang="en-US" sz="1400" dirty="0">
+              <a:rPr lang="en-US" sz="1500" dirty="0">
                 <a:solidFill>
                   <a:srgbClr val="E2E8F0"/>
                 </a:solidFill>
               </a:rPr>
               <a:t>Flagging ambiguous orders for manual review.</a:t>
             </a:r>
-            <a:endParaRPr lang="en-US" sz="1400" dirty="0"/>
+            <a:endParaRPr lang="en-US" sz="1500" dirty="0"/>
           </a:p>
           <a:p>
             <a:pPr marL="285750" indent="-285750">
               <a:lnSpc>
-                <a:spcPts val="2000"/>
+                <a:spcPct val="100000"/>
               </a:lnSpc>
               <a:buFont typeface="Arial" panose="020B0604020202020204" pitchFamily="34" charset="0"/>
               <a:buChar char="•"/>
             </a:pPr>
             <a:r>
-              <a:rPr lang="en-US" sz="1400" b="1" dirty="0">
+              <a:rPr lang="en-US" sz="1500" b="1" dirty="0">
                 <a:solidFill>
                   <a:schemeClr val="accent4"/>
                 </a:solidFill>
@@ -6838,25 +8908,25 @@
               <a:t>Failed Folder: </a:t>
             </a:r>
             <a:r>
-              <a:rPr lang="en-US" sz="1400" dirty="0">
+              <a:rPr lang="en-US" sz="1500" dirty="0">
                 <a:solidFill>
                   <a:srgbClr val="E2E8F0"/>
                 </a:solidFill>
               </a:rPr>
               <a:t>Isolating system errors for immediate troubleshooting.</a:t>
             </a:r>
-            <a:endParaRPr lang="en-US" sz="1400" dirty="0"/>
+            <a:endParaRPr lang="en-US" sz="1500" dirty="0"/>
           </a:p>
           <a:p>
             <a:pPr marL="285750" indent="-285750">
               <a:lnSpc>
-                <a:spcPts val="2000"/>
+                <a:spcPct val="100000"/>
               </a:lnSpc>
               <a:buFont typeface="Arial" panose="020B0604020202020204" pitchFamily="34" charset="0"/>
               <a:buChar char="•"/>
             </a:pPr>
             <a:r>
-              <a:rPr lang="en-US" sz="1400" b="1" dirty="0">
+              <a:rPr lang="en-US" sz="1500" b="1" dirty="0">
                 <a:solidFill>
                   <a:schemeClr val="accent4"/>
                 </a:solidFill>
@@ -6864,25 +8934,25 @@
               <a:t>Outcome Folders: </a:t>
             </a:r>
             <a:r>
-              <a:rPr lang="en-US" sz="1400" dirty="0">
+              <a:rPr lang="en-US" sz="1500" dirty="0">
                 <a:solidFill>
                   <a:srgbClr val="E2E8F0"/>
                 </a:solidFill>
               </a:rPr>
               <a:t>Clear separation between Processed and Priority items.</a:t>
             </a:r>
-            <a:endParaRPr lang="en-US" sz="1400" dirty="0"/>
+            <a:endParaRPr lang="en-US" sz="1500" dirty="0"/>
           </a:p>
           <a:p>
             <a:pPr marL="285750" indent="-285750">
               <a:lnSpc>
-                <a:spcPts val="2000"/>
+                <a:spcPct val="100000"/>
               </a:lnSpc>
               <a:buFont typeface="Arial" panose="020B0604020202020204" pitchFamily="34" charset="0"/>
               <a:buChar char="•"/>
             </a:pPr>
             <a:r>
-              <a:rPr lang="en-US" sz="1400" b="1" dirty="0">
+              <a:rPr lang="en-US" sz="1500" b="1" dirty="0">
                 <a:solidFill>
                   <a:schemeClr val="accent4"/>
                 </a:solidFill>
@@ -6890,17 +8960,17 @@
               <a:t>Audit Logs: </a:t>
             </a:r>
             <a:r>
-              <a:rPr lang="en-US" sz="1400" dirty="0">
+              <a:rPr lang="en-US" sz="1500" dirty="0">
                 <a:solidFill>
                   <a:srgbClr val="E2E8F0"/>
                 </a:solidFill>
               </a:rPr>
               <a:t>Local CSV recording of every transaction for traceability.</a:t>
             </a:r>
-            <a:endParaRPr lang="en-US" sz="1400" dirty="0"/>
-          </a:p>
-          <a:p>
-            <a:endParaRPr lang="en-US" sz="1400" dirty="0"/>
+            <a:endParaRPr lang="en-US" sz="1500" dirty="0"/>
+          </a:p>
+          <a:p>
+            <a:endParaRPr lang="en-US" sz="1500" dirty="0"/>
           </a:p>
         </p:txBody>
       </p:sp>
@@ -6919,7 +8989,7 @@
           <p:nvPr/>
         </p:nvPicPr>
         <p:blipFill>
-          <a:blip r:embed="rId2">
+          <a:blip r:embed="rId3">
             <a:extLst>
               <a:ext uri="{28A0092B-C50C-407E-A947-70E740481C1C}">
                 <a14:useLocalDpi xmlns:a14="http://schemas.microsoft.com/office/drawing/2010/main" val="0"/>
@@ -6949,6 +9019,9 @@
   <p:clrMapOvr>
     <a:masterClrMapping/>
   </p:clrMapOvr>
+  <p:transition spd="slow">
+    <p:wipe/>
+  </p:transition>
 </p:sld>
 </file>
 
@@ -7255,29 +9328,36 @@
           <a:p>
             <a:pPr>
               <a:lnSpc>
-                <a:spcPts val="2200"/>
+                <a:spcPct val="100000"/>
               </a:lnSpc>
             </a:pPr>
             <a:r>
-              <a:rPr lang="en-US" sz="1400" dirty="0">
+              <a:rPr lang="en-US" sz="1500" dirty="0">
                 <a:solidFill>
                   <a:srgbClr val="E2E8F0"/>
                 </a:solidFill>
               </a:rPr>
               <a:t>The project roadmap focuses on expanding system capabilities and transitioning to more robust data management architectures.</a:t>
             </a:r>
-            <a:endParaRPr lang="en-US" sz="1400" dirty="0"/>
+          </a:p>
+          <a:p>
+            <a:pPr>
+              <a:lnSpc>
+                <a:spcPct val="100000"/>
+              </a:lnSpc>
+            </a:pPr>
+            <a:endParaRPr lang="en-US" sz="1500" dirty="0"/>
           </a:p>
           <a:p>
             <a:pPr marL="285750" indent="-285750">
               <a:lnSpc>
-                <a:spcPts val="2700"/>
+                <a:spcPct val="100000"/>
               </a:lnSpc>
               <a:buFont typeface="Arial" panose="020B0604020202020204" pitchFamily="34" charset="0"/>
               <a:buChar char="•"/>
             </a:pPr>
             <a:r>
-              <a:rPr lang="en-US" sz="1400" b="1" dirty="0">
+              <a:rPr lang="en-US" sz="1500" b="1" dirty="0">
                 <a:solidFill>
                   <a:schemeClr val="accent4"/>
                 </a:solidFill>
@@ -7285,25 +9365,25 @@
               <a:t>Multi-Format Expansion: </a:t>
             </a:r>
             <a:r>
-              <a:rPr lang="en-US" sz="1400" dirty="0">
+              <a:rPr lang="en-US" sz="1500" dirty="0">
                 <a:solidFill>
                   <a:srgbClr val="E2E8F0"/>
                 </a:solidFill>
               </a:rPr>
               <a:t>Adding support for PDF attachments and more diverse email layouts.</a:t>
             </a:r>
-            <a:endParaRPr lang="en-US" sz="1400" dirty="0"/>
+            <a:endParaRPr lang="en-US" sz="1500" dirty="0"/>
           </a:p>
           <a:p>
             <a:pPr marL="285750" indent="-285750">
               <a:lnSpc>
-                <a:spcPts val="2700"/>
+                <a:spcPct val="100000"/>
               </a:lnSpc>
               <a:buFont typeface="Arial" panose="020B0604020202020204" pitchFamily="34" charset="0"/>
               <a:buChar char="•"/>
             </a:pPr>
             <a:r>
-              <a:rPr lang="en-US" sz="1400" b="1" dirty="0">
+              <a:rPr lang="en-US" sz="1500" b="1" dirty="0">
                 <a:solidFill>
                   <a:schemeClr val="accent4"/>
                 </a:solidFill>
@@ -7311,25 +9391,25 @@
               <a:t>Advanced Analytics: </a:t>
             </a:r>
             <a:r>
-              <a:rPr lang="en-US" sz="1400" dirty="0">
+              <a:rPr lang="en-US" sz="1500" dirty="0">
                 <a:solidFill>
                   <a:srgbClr val="E2E8F0"/>
                 </a:solidFill>
               </a:rPr>
               <a:t>Generating local reports on order trends and processing efficiency from audit logs.</a:t>
             </a:r>
-            <a:endParaRPr lang="en-US" sz="1400" dirty="0"/>
+            <a:endParaRPr lang="en-US" sz="1500" dirty="0"/>
           </a:p>
           <a:p>
             <a:pPr marL="285750" indent="-285750">
               <a:lnSpc>
-                <a:spcPts val="2700"/>
+                <a:spcPct val="100000"/>
               </a:lnSpc>
               <a:buFont typeface="Arial" panose="020B0604020202020204" pitchFamily="34" charset="0"/>
               <a:buChar char="•"/>
             </a:pPr>
             <a:r>
-              <a:rPr lang="en-US" sz="1400" b="1" dirty="0">
+              <a:rPr lang="en-US" sz="1500" b="1" dirty="0">
                 <a:solidFill>
                   <a:schemeClr val="accent4"/>
                 </a:solidFill>
@@ -7337,25 +9417,25 @@
               <a:t>Database Transition: </a:t>
             </a:r>
             <a:r>
-              <a:rPr lang="en-US" sz="1400" dirty="0">
+              <a:rPr lang="en-US" sz="1500" dirty="0">
                 <a:solidFill>
                   <a:srgbClr val="E2E8F0"/>
                 </a:solidFill>
               </a:rPr>
               <a:t>Moving from Excel to a local SQLite database for improved data integrity and concurrency.</a:t>
             </a:r>
-            <a:endParaRPr lang="en-US" sz="1400" dirty="0"/>
+            <a:endParaRPr lang="en-US" sz="1500" dirty="0"/>
           </a:p>
           <a:p>
             <a:pPr marL="285750" indent="-285750">
               <a:lnSpc>
-                <a:spcPts val="2700"/>
+                <a:spcPct val="100000"/>
               </a:lnSpc>
               <a:buFont typeface="Arial" panose="020B0604020202020204" pitchFamily="34" charset="0"/>
               <a:buChar char="•"/>
             </a:pPr>
             <a:r>
-              <a:rPr lang="en-US" sz="1400" b="1" dirty="0">
+              <a:rPr lang="en-US" sz="1500" b="1" dirty="0">
                 <a:solidFill>
                   <a:schemeClr val="accent4"/>
                 </a:solidFill>
@@ -7363,17 +9443,17 @@
               <a:t>Audit Logs: </a:t>
             </a:r>
             <a:r>
-              <a:rPr lang="en-US" sz="1400" dirty="0">
+              <a:rPr lang="en-US" sz="1500" dirty="0">
                 <a:solidFill>
                   <a:srgbClr val="E2E8F0"/>
                 </a:solidFill>
               </a:rPr>
               <a:t>Real-time checks against product availability and customer account status.</a:t>
             </a:r>
-            <a:endParaRPr lang="en-US" sz="1400" dirty="0"/>
-          </a:p>
-          <a:p>
-            <a:endParaRPr lang="en-US" sz="1400" dirty="0"/>
+            <a:endParaRPr lang="en-US" sz="1500" dirty="0"/>
+          </a:p>
+          <a:p>
+            <a:endParaRPr lang="en-US" sz="1500" dirty="0"/>
           </a:p>
         </p:txBody>
       </p:sp>
@@ -7392,7 +9472,7 @@
           <p:nvPr/>
         </p:nvPicPr>
         <p:blipFill>
-          <a:blip r:embed="rId2">
+          <a:blip r:embed="rId3">
             <a:extLst>
               <a:ext uri="{28A0092B-C50C-407E-A947-70E740481C1C}">
                 <a14:useLocalDpi xmlns:a14="http://schemas.microsoft.com/office/drawing/2010/main" val="0"/>
@@ -7422,6 +9502,9 @@
   <p:clrMapOvr>
     <a:masterClrMapping/>
   </p:clrMapOvr>
+  <p:transition spd="slow">
+    <p:wipe/>
+  </p:transition>
 </p:sld>
 </file>
 
@@ -7738,4 +9821,319 @@
     </a:ext>
   </a:extLst>
 </a:theme>
+</file>
+
+<file path=ppt/theme/theme2.xml><?xml version="1.0" encoding="utf-8"?>
+<a:theme xmlns:a="http://schemas.openxmlformats.org/drawingml/2006/main" name="Office Theme">
+  <a:themeElements>
+    <a:clrScheme name="Office">
+      <a:dk1>
+        <a:sysClr val="windowText" lastClr="000000"/>
+      </a:dk1>
+      <a:lt1>
+        <a:sysClr val="window" lastClr="FFFFFF"/>
+      </a:lt1>
+      <a:dk2>
+        <a:srgbClr val="0E2841"/>
+      </a:dk2>
+      <a:lt2>
+        <a:srgbClr val="E8E8E8"/>
+      </a:lt2>
+      <a:accent1>
+        <a:srgbClr val="156082"/>
+      </a:accent1>
+      <a:accent2>
+        <a:srgbClr val="E97132"/>
+      </a:accent2>
+      <a:accent3>
+        <a:srgbClr val="196B24"/>
+      </a:accent3>
+      <a:accent4>
+        <a:srgbClr val="0F9ED5"/>
+      </a:accent4>
+      <a:accent5>
+        <a:srgbClr val="A02B93"/>
+      </a:accent5>
+      <a:accent6>
+        <a:srgbClr val="4EA72E"/>
+      </a:accent6>
+      <a:hlink>
+        <a:srgbClr val="467886"/>
+      </a:hlink>
+      <a:folHlink>
+        <a:srgbClr val="96607D"/>
+      </a:folHlink>
+    </a:clrScheme>
+    <a:fontScheme name="Office">
+      <a:majorFont>
+        <a:latin typeface="Aptos Display" panose="02110004020202020204"/>
+        <a:ea typeface=""/>
+        <a:cs typeface=""/>
+        <a:font script="Jpan" typeface="游ゴシック Light"/>
+        <a:font script="Hang" typeface="맑은 고딕"/>
+        <a:font script="Hans" typeface="等线 Light"/>
+        <a:font script="Hant" typeface="新細明體"/>
+        <a:font script="Arab" typeface="Times New Roman"/>
+        <a:font script="Hebr" typeface="Times New Roman"/>
+        <a:font script="Thai" typeface="Angsana New"/>
+        <a:font script="Ethi" typeface="Nyala"/>
+        <a:font script="Beng" typeface="Vrinda"/>
+        <a:font script="Gujr" typeface="Shruti"/>
+        <a:font script="Khmr" typeface="MoolBoran"/>
+        <a:font script="Knda" typeface="Tunga"/>
+        <a:font script="Guru" typeface="Raavi"/>
+        <a:font script="Cans" typeface="Euphemia"/>
+        <a:font script="Cher" typeface="Plantagenet Cherokee"/>
+        <a:font script="Yiii" typeface="Microsoft Yi Baiti"/>
+        <a:font script="Tibt" typeface="Microsoft Himalaya"/>
+        <a:font script="Thaa" typeface="MV Boli"/>
+        <a:font script="Deva" typeface="Mangal"/>
+        <a:font script="Telu" typeface="Gautami"/>
+        <a:font script="Taml" typeface="Latha"/>
+        <a:font script="Syrc" typeface="Estrangelo Edessa"/>
+        <a:font script="Orya" typeface="Kalinga"/>
+        <a:font script="Mlym" typeface="Kartika"/>
+        <a:font script="Laoo" typeface="DokChampa"/>
+        <a:font script="Sinh" typeface="Iskoola Pota"/>
+        <a:font script="Mong" typeface="Mongolian Baiti"/>
+        <a:font script="Viet" typeface="Times New Roman"/>
+        <a:font script="Uigh" typeface="Microsoft Uighur"/>
+        <a:font script="Geor" typeface="Sylfaen"/>
+        <a:font script="Armn" typeface="Arial"/>
+        <a:font script="Bugi" typeface="Leelawadee UI"/>
+        <a:font script="Bopo" typeface="Microsoft JhengHei"/>
+        <a:font script="Java" typeface="Javanese Text"/>
+        <a:font script="Lisu" typeface="Segoe UI"/>
+        <a:font script="Mymr" typeface="Myanmar Text"/>
+        <a:font script="Nkoo" typeface="Ebrima"/>
+        <a:font script="Olck" typeface="Nirmala UI"/>
+        <a:font script="Osma" typeface="Ebrima"/>
+        <a:font script="Phag" typeface="Phagspa"/>
+        <a:font script="Syrn" typeface="Estrangelo Edessa"/>
+        <a:font script="Syrj" typeface="Estrangelo Edessa"/>
+        <a:font script="Syre" typeface="Estrangelo Edessa"/>
+        <a:font script="Sora" typeface="Nirmala UI"/>
+        <a:font script="Tale" typeface="Microsoft Tai Le"/>
+        <a:font script="Talu" typeface="Microsoft New Tai Lue"/>
+        <a:font script="Tfng" typeface="Ebrima"/>
+      </a:majorFont>
+      <a:minorFont>
+        <a:latin typeface="Aptos" panose="02110004020202020204"/>
+        <a:ea typeface=""/>
+        <a:cs typeface=""/>
+        <a:font script="Jpan" typeface="游ゴシック"/>
+        <a:font script="Hang" typeface="맑은 고딕"/>
+        <a:font script="Hans" typeface="等线"/>
+        <a:font script="Hant" typeface="新細明體"/>
+        <a:font script="Arab" typeface="Arial"/>
+        <a:font script="Hebr" typeface="Arial"/>
+        <a:font script="Thai" typeface="Cordia New"/>
+        <a:font script="Ethi" typeface="Nyala"/>
+        <a:font script="Beng" typeface="Vrinda"/>
+        <a:font script="Gujr" typeface="Shruti"/>
+        <a:font script="Khmr" typeface="DaunPenh"/>
+        <a:font script="Knda" typeface="Tunga"/>
+        <a:font script="Guru" typeface="Raavi"/>
+        <a:font script="Cans" typeface="Euphemia"/>
+        <a:font script="Cher" typeface="Plantagenet Cherokee"/>
+        <a:font script="Yiii" typeface="Microsoft Yi Baiti"/>
+        <a:font script="Tibt" typeface="Microsoft Himalaya"/>
+        <a:font script="Thaa" typeface="MV Boli"/>
+        <a:font script="Deva" typeface="Mangal"/>
+        <a:font script="Telu" typeface="Gautami"/>
+        <a:font script="Taml" typeface="Latha"/>
+        <a:font script="Syrc" typeface="Estrangelo Edessa"/>
+        <a:font script="Orya" typeface="Kalinga"/>
+        <a:font script="Mlym" typeface="Kartika"/>
+        <a:font script="Laoo" typeface="DokChampa"/>
+        <a:font script="Sinh" typeface="Iskoola Pota"/>
+        <a:font script="Mong" typeface="Mongolian Baiti"/>
+        <a:font script="Viet" typeface="Arial"/>
+        <a:font script="Uigh" typeface="Microsoft Uighur"/>
+        <a:font script="Geor" typeface="Sylfaen"/>
+        <a:font script="Armn" typeface="Arial"/>
+        <a:font script="Bugi" typeface="Leelawadee UI"/>
+        <a:font script="Bopo" typeface="Microsoft JhengHei"/>
+        <a:font script="Java" typeface="Javanese Text"/>
+        <a:font script="Lisu" typeface="Segoe UI"/>
+        <a:font script="Mymr" typeface="Myanmar Text"/>
+        <a:font script="Nkoo" typeface="Ebrima"/>
+        <a:font script="Olck" typeface="Nirmala UI"/>
+        <a:font script="Osma" typeface="Ebrima"/>
+        <a:font script="Phag" typeface="Phagspa"/>
+        <a:font script="Syrn" typeface="Estrangelo Edessa"/>
+        <a:font script="Syrj" typeface="Estrangelo Edessa"/>
+        <a:font script="Syre" typeface="Estrangelo Edessa"/>
+        <a:font script="Sora" typeface="Nirmala UI"/>
+        <a:font script="Tale" typeface="Microsoft Tai Le"/>
+        <a:font script="Talu" typeface="Microsoft New Tai Lue"/>
+        <a:font script="Tfng" typeface="Ebrima"/>
+      </a:minorFont>
+    </a:fontScheme>
+    <a:fmtScheme name="Office">
+      <a:fillStyleLst>
+        <a:solidFill>
+          <a:schemeClr val="phClr"/>
+        </a:solidFill>
+        <a:gradFill rotWithShape="1">
+          <a:gsLst>
+            <a:gs pos="0">
+              <a:schemeClr val="phClr">
+                <a:lumMod val="110000"/>
+                <a:satMod val="105000"/>
+                <a:tint val="67000"/>
+              </a:schemeClr>
+            </a:gs>
+            <a:gs pos="50000">
+              <a:schemeClr val="phClr">
+                <a:lumMod val="105000"/>
+                <a:satMod val="103000"/>
+                <a:tint val="73000"/>
+              </a:schemeClr>
+            </a:gs>
+            <a:gs pos="100000">
+              <a:schemeClr val="phClr">
+                <a:lumMod val="105000"/>
+                <a:satMod val="109000"/>
+                <a:tint val="81000"/>
+              </a:schemeClr>
+            </a:gs>
+          </a:gsLst>
+          <a:lin ang="5400000" scaled="0"/>
+        </a:gradFill>
+        <a:gradFill rotWithShape="1">
+          <a:gsLst>
+            <a:gs pos="0">
+              <a:schemeClr val="phClr">
+                <a:satMod val="103000"/>
+                <a:lumMod val="102000"/>
+                <a:tint val="94000"/>
+              </a:schemeClr>
+            </a:gs>
+            <a:gs pos="50000">
+              <a:schemeClr val="phClr">
+                <a:satMod val="110000"/>
+                <a:lumMod val="100000"/>
+                <a:shade val="100000"/>
+              </a:schemeClr>
+            </a:gs>
+            <a:gs pos="100000">
+              <a:schemeClr val="phClr">
+                <a:lumMod val="99000"/>
+                <a:satMod val="120000"/>
+                <a:shade val="78000"/>
+              </a:schemeClr>
+            </a:gs>
+          </a:gsLst>
+          <a:lin ang="5400000" scaled="0"/>
+        </a:gradFill>
+      </a:fillStyleLst>
+      <a:lnStyleLst>
+        <a:ln w="12700" cap="flat" cmpd="sng" algn="ctr">
+          <a:solidFill>
+            <a:schemeClr val="phClr"/>
+          </a:solidFill>
+          <a:prstDash val="solid"/>
+          <a:miter lim="800000"/>
+        </a:ln>
+        <a:ln w="19050" cap="flat" cmpd="sng" algn="ctr">
+          <a:solidFill>
+            <a:schemeClr val="phClr"/>
+          </a:solidFill>
+          <a:prstDash val="solid"/>
+          <a:miter lim="800000"/>
+        </a:ln>
+        <a:ln w="25400" cap="flat" cmpd="sng" algn="ctr">
+          <a:solidFill>
+            <a:schemeClr val="phClr"/>
+          </a:solidFill>
+          <a:prstDash val="solid"/>
+          <a:miter lim="800000"/>
+        </a:ln>
+      </a:lnStyleLst>
+      <a:effectStyleLst>
+        <a:effectStyle>
+          <a:effectLst/>
+        </a:effectStyle>
+        <a:effectStyle>
+          <a:effectLst/>
+        </a:effectStyle>
+        <a:effectStyle>
+          <a:effectLst>
+            <a:outerShdw blurRad="57150" dist="19050" dir="5400000" algn="ctr" rotWithShape="0">
+              <a:srgbClr val="000000">
+                <a:alpha val="63000"/>
+              </a:srgbClr>
+            </a:outerShdw>
+          </a:effectLst>
+        </a:effectStyle>
+      </a:effectStyleLst>
+      <a:bgFillStyleLst>
+        <a:solidFill>
+          <a:schemeClr val="phClr"/>
+        </a:solidFill>
+        <a:solidFill>
+          <a:schemeClr val="phClr">
+            <a:tint val="95000"/>
+            <a:satMod val="170000"/>
+          </a:schemeClr>
+        </a:solidFill>
+        <a:gradFill rotWithShape="1">
+          <a:gsLst>
+            <a:gs pos="0">
+              <a:schemeClr val="phClr">
+                <a:tint val="93000"/>
+                <a:satMod val="150000"/>
+                <a:shade val="98000"/>
+                <a:lumMod val="102000"/>
+              </a:schemeClr>
+            </a:gs>
+            <a:gs pos="50000">
+              <a:schemeClr val="phClr">
+                <a:tint val="98000"/>
+                <a:satMod val="130000"/>
+                <a:shade val="90000"/>
+                <a:lumMod val="103000"/>
+              </a:schemeClr>
+            </a:gs>
+            <a:gs pos="100000">
+              <a:schemeClr val="phClr">
+                <a:shade val="63000"/>
+                <a:satMod val="120000"/>
+              </a:schemeClr>
+            </a:gs>
+          </a:gsLst>
+          <a:lin ang="5400000" scaled="0"/>
+        </a:gradFill>
+      </a:bgFillStyleLst>
+    </a:fmtScheme>
+  </a:themeElements>
+  <a:objectDefaults>
+    <a:lnDef>
+      <a:spPr/>
+      <a:bodyPr/>
+      <a:lstStyle/>
+      <a:style>
+        <a:lnRef idx="2">
+          <a:schemeClr val="accent1"/>
+        </a:lnRef>
+        <a:fillRef idx="0">
+          <a:schemeClr val="accent1"/>
+        </a:fillRef>
+        <a:effectRef idx="1">
+          <a:schemeClr val="accent1"/>
+        </a:effectRef>
+        <a:fontRef idx="minor">
+          <a:schemeClr val="tx1"/>
+        </a:fontRef>
+      </a:style>
+    </a:lnDef>
+  </a:objectDefaults>
+  <a:extraClrSchemeLst/>
+  <a:extLst>
+    <a:ext uri="{05A4C25C-085E-4340-85A3-A5531E510DB2}">
+      <thm15:themeFamily xmlns:thm15="http://schemas.microsoft.com/office/thememl/2012/main" name="Office Theme" id="{2E142A2C-CD16-42D6-873A-C26D2A0506FA}" vid="{1BDDFF52-6CD6-40A5-AB3C-68EB2F1E4D0A}"/>
+    </a:ext>
+  </a:extLst>
+</a:theme>
 </file>